--- a/Cassandra_Seminar.pptx
+++ b/Cassandra_Seminar.pptx
@@ -39,15 +39,15 @@
   <p:notesSz cx="6858000" cy="9144000"/>
   <p:embeddedFontLst>
     <p:embeddedFont>
-      <p:font typeface="Calibri" panose="020F0502020204030204" pitchFamily="34" charset="0"/>
+      <p:font typeface="Hammersmith One" panose="020B0604020202020204" charset="0"/>
       <p:regular r:id="rId29"/>
-      <p:bold r:id="rId30"/>
-      <p:italic r:id="rId31"/>
-      <p:boldItalic r:id="rId32"/>
     </p:embeddedFont>
     <p:embeddedFont>
-      <p:font typeface="Hammersmith One" panose="020B0604020202020204" charset="0"/>
-      <p:regular r:id="rId33"/>
+      <p:font typeface="Calibri" panose="020F0502020204030204" pitchFamily="34" charset="0"/>
+      <p:regular r:id="rId30"/>
+      <p:bold r:id="rId31"/>
+      <p:italic r:id="rId32"/>
+      <p:boldItalic r:id="rId33"/>
     </p:embeddedFont>
   </p:embeddedFontLst>
   <p:defaultTextStyle>
@@ -22357,7 +22357,7 @@
                 <a:hlinkClick r:id="rId2">
                   <a:extLst>
                     <a:ext uri="{A12FA001-AC4F-418D-AE19-62706E023703}">
-                      <ahyp:hlinkClr xmlns="" xmlns:mc="http://schemas.openxmlformats.org/markup-compatibility/2006" xmlns:mv="urn:schemas-microsoft-com:mac:vml" xmlns:c="http://schemas.openxmlformats.org/drawingml/2006/chart" xmlns:dgm="http://schemas.openxmlformats.org/drawingml/2006/diagram" xmlns:o="urn:schemas-microsoft-com:office:office" xmlns:v="urn:schemas-microsoft-com:vml" xmlns:pvml="urn:schemas-microsoft-com:office:powerpoint" xmlns:com="http://schemas.openxmlformats.org/drawingml/2006/compatibility" xmlns:p14="http://schemas.microsoft.com/office/powerpoint/2010/main" xmlns:p15="http://schemas.microsoft.com/office/powerpoint/2012/main" xmlns:ahyp="http://schemas.microsoft.com/office/drawing/2018/hyperlinkcolor" val="tx"/>
+                      <ahyp:hlinkClr xmlns:ahyp="http://schemas.microsoft.com/office/drawing/2018/hyperlinkcolor" xmlns:p15="http://schemas.microsoft.com/office/powerpoint/2012/main" xmlns:p14="http://schemas.microsoft.com/office/powerpoint/2010/main" xmlns:com="http://schemas.openxmlformats.org/drawingml/2006/compatibility" xmlns:pvml="urn:schemas-microsoft-com:office:powerpoint" xmlns:v="urn:schemas-microsoft-com:vml" xmlns:o="urn:schemas-microsoft-com:office:office" xmlns:dgm="http://schemas.openxmlformats.org/drawingml/2006/diagram" xmlns:c="http://schemas.openxmlformats.org/drawingml/2006/chart" xmlns:mv="urn:schemas-microsoft-com:mac:vml" xmlns:mc="http://schemas.openxmlformats.org/markup-compatibility/2006" xmlns="" val="tx"/>
                     </a:ext>
                   </a:extLst>
                 </a:hlinkClick>
@@ -22391,7 +22391,7 @@
                 <a:hlinkClick r:id="rId3">
                   <a:extLst>
                     <a:ext uri="{A12FA001-AC4F-418D-AE19-62706E023703}">
-                      <ahyp:hlinkClr xmlns="" xmlns:mc="http://schemas.openxmlformats.org/markup-compatibility/2006" xmlns:mv="urn:schemas-microsoft-com:mac:vml" xmlns:c="http://schemas.openxmlformats.org/drawingml/2006/chart" xmlns:dgm="http://schemas.openxmlformats.org/drawingml/2006/diagram" xmlns:o="urn:schemas-microsoft-com:office:office" xmlns:v="urn:schemas-microsoft-com:vml" xmlns:pvml="urn:schemas-microsoft-com:office:powerpoint" xmlns:com="http://schemas.openxmlformats.org/drawingml/2006/compatibility" xmlns:p14="http://schemas.microsoft.com/office/powerpoint/2010/main" xmlns:p15="http://schemas.microsoft.com/office/powerpoint/2012/main" xmlns:ahyp="http://schemas.microsoft.com/office/drawing/2018/hyperlinkcolor" val="tx"/>
+                      <ahyp:hlinkClr xmlns:ahyp="http://schemas.microsoft.com/office/drawing/2018/hyperlinkcolor" xmlns:p15="http://schemas.microsoft.com/office/powerpoint/2012/main" xmlns:p14="http://schemas.microsoft.com/office/powerpoint/2010/main" xmlns:com="http://schemas.openxmlformats.org/drawingml/2006/compatibility" xmlns:pvml="urn:schemas-microsoft-com:office:powerpoint" xmlns:v="urn:schemas-microsoft-com:vml" xmlns:o="urn:schemas-microsoft-com:office:office" xmlns:dgm="http://schemas.openxmlformats.org/drawingml/2006/diagram" xmlns:c="http://schemas.openxmlformats.org/drawingml/2006/chart" xmlns:mv="urn:schemas-microsoft-com:mac:vml" xmlns:mc="http://schemas.openxmlformats.org/markup-compatibility/2006" xmlns="" val="tx"/>
                     </a:ext>
                   </a:extLst>
                 </a:hlinkClick>
@@ -22425,7 +22425,7 @@
                 <a:hlinkClick r:id="rId4">
                   <a:extLst>
                     <a:ext uri="{A12FA001-AC4F-418D-AE19-62706E023703}">
-                      <ahyp:hlinkClr xmlns="" xmlns:mc="http://schemas.openxmlformats.org/markup-compatibility/2006" xmlns:mv="urn:schemas-microsoft-com:mac:vml" xmlns:c="http://schemas.openxmlformats.org/drawingml/2006/chart" xmlns:dgm="http://schemas.openxmlformats.org/drawingml/2006/diagram" xmlns:o="urn:schemas-microsoft-com:office:office" xmlns:v="urn:schemas-microsoft-com:vml" xmlns:pvml="urn:schemas-microsoft-com:office:powerpoint" xmlns:com="http://schemas.openxmlformats.org/drawingml/2006/compatibility" xmlns:p14="http://schemas.microsoft.com/office/powerpoint/2010/main" xmlns:p15="http://schemas.microsoft.com/office/powerpoint/2012/main" xmlns:ahyp="http://schemas.microsoft.com/office/drawing/2018/hyperlinkcolor" val="tx"/>
+                      <ahyp:hlinkClr xmlns:ahyp="http://schemas.microsoft.com/office/drawing/2018/hyperlinkcolor" xmlns:p15="http://schemas.microsoft.com/office/powerpoint/2012/main" xmlns:p14="http://schemas.microsoft.com/office/powerpoint/2010/main" xmlns:com="http://schemas.openxmlformats.org/drawingml/2006/compatibility" xmlns:pvml="urn:schemas-microsoft-com:office:powerpoint" xmlns:v="urn:schemas-microsoft-com:vml" xmlns:o="urn:schemas-microsoft-com:office:office" xmlns:dgm="http://schemas.openxmlformats.org/drawingml/2006/diagram" xmlns:c="http://schemas.openxmlformats.org/drawingml/2006/chart" xmlns:mv="urn:schemas-microsoft-com:mac:vml" xmlns:mc="http://schemas.openxmlformats.org/markup-compatibility/2006" xmlns="" val="tx"/>
                     </a:ext>
                   </a:extLst>
                 </a:hlinkClick>
@@ -24191,6 +24191,74 @@
                 </a:solidFill>
               </a:rPr>
               <a:t>:</a:t>
+            </a:r>
+          </a:p>
+          <a:p>
+            <a:pPr marL="0" indent="0">
+              <a:buClr>
+                <a:schemeClr val="dk1"/>
+              </a:buClr>
+              <a:buSzPts val="1100"/>
+            </a:pPr>
+            <a:r>
+              <a:rPr lang="en-US" dirty="0" smtClean="0">
+                <a:solidFill>
+                  <a:schemeClr val="accent2">
+                    <a:lumMod val="50000"/>
+                  </a:schemeClr>
+                </a:solidFill>
+              </a:rPr>
+              <a:t>Cao </a:t>
+            </a:r>
+            <a:r>
+              <a:rPr lang="en-US" dirty="0" err="1" smtClean="0">
+                <a:solidFill>
+                  <a:schemeClr val="accent2">
+                    <a:lumMod val="50000"/>
+                  </a:schemeClr>
+                </a:solidFill>
+              </a:rPr>
+              <a:t>Văn</a:t>
+            </a:r>
+            <a:r>
+              <a:rPr lang="en-US" dirty="0" smtClean="0">
+                <a:solidFill>
+                  <a:schemeClr val="accent2">
+                    <a:lumMod val="50000"/>
+                  </a:schemeClr>
+                </a:solidFill>
+              </a:rPr>
+              <a:t> </a:t>
+            </a:r>
+            <a:r>
+              <a:rPr lang="en-US" dirty="0" err="1" smtClean="0">
+                <a:solidFill>
+                  <a:schemeClr val="accent2">
+                    <a:lumMod val="50000"/>
+                  </a:schemeClr>
+                </a:solidFill>
+              </a:rPr>
+              <a:t>Tiến</a:t>
+            </a:r>
+            <a:r>
+              <a:rPr lang="en-US" dirty="0" smtClean="0">
+                <a:solidFill>
+                  <a:schemeClr val="accent2">
+                    <a:lumMod val="50000"/>
+                  </a:schemeClr>
+                </a:solidFill>
+              </a:rPr>
+              <a:t> - 16521824</a:t>
+            </a:r>
+            <a:r>
+              <a:rPr lang="en-US" dirty="0" smtClean="0">
+                <a:solidFill>
+                  <a:schemeClr val="accent2">
+                    <a:lumMod val="50000"/>
+                  </a:schemeClr>
+                </a:solidFill>
+              </a:rPr>
+              <a:t/>
             </a:r>
             <a:br>
               <a:rPr lang="en-US" dirty="0" smtClean="0">

--- a/Cassandra_Seminar.pptx
+++ b/Cassandra_Seminar.pptx
@@ -820,7 +820,7 @@
               </a:spcAft>
               <a:buNone/>
             </a:pPr>
-            <a:endParaRPr/>
+            <a:endParaRPr dirty="0"/>
           </a:p>
         </p:txBody>
       </p:sp>
@@ -3623,6 +3623,54 @@
           </a:bodyPr>
           <a:lstStyle/>
           <a:p>
+            <a:pPr marL="0" marR="0" lvl="0" indent="0" algn="l" defTabSz="914400" rtl="0" eaLnBrk="1" fontAlgn="auto" latinLnBrk="0" hangingPunct="1">
+              <a:lnSpc>
+                <a:spcPct val="100000"/>
+              </a:lnSpc>
+              <a:spcBef>
+                <a:spcPts val="0"/>
+              </a:spcBef>
+              <a:spcAft>
+                <a:spcPts val="0"/>
+              </a:spcAft>
+              <a:buClr>
+                <a:srgbClr val="000000"/>
+              </a:buClr>
+              <a:buSzPts val="1100"/>
+              <a:buFont typeface="Arial"/>
+              <a:buNone/>
+              <a:tabLst/>
+              <a:defRPr/>
+            </a:pPr>
+            <a:r>
+              <a:rPr lang="vi-VN" sz="1100" b="1" i="0" u="none" strike="noStrike" cap="none" dirty="0" smtClean="0">
+                <a:solidFill>
+                  <a:srgbClr val="000000"/>
+                </a:solidFill>
+                <a:effectLst/>
+                <a:latin typeface="Arial"/>
+                <a:ea typeface="Arial"/>
+                <a:cs typeface="Arial"/>
+                <a:sym typeface="Arial"/>
+              </a:rPr>
+              <a:t>Eventual Consistency</a:t>
+            </a:r>
+            <a:r>
+              <a:rPr lang="vi-VN" sz="1100" b="0" i="0" u="none" strike="noStrike" cap="none" dirty="0" smtClean="0">
+                <a:solidFill>
+                  <a:srgbClr val="000000"/>
+                </a:solidFill>
+                <a:effectLst/>
+                <a:latin typeface="Arial"/>
+                <a:ea typeface="Arial"/>
+                <a:cs typeface="Arial"/>
+                <a:sym typeface="Arial"/>
+              </a:rPr>
+              <a:t> (tính nhất quán cuối cùng, là một dạng của tính nhất quán yếu - Weak Consistency): Sau khi một cập nhật được diễn ra, các lần đọc sau đó không đảm bảo sẽ luôn trả về giá trị mới được cập nhật (có thể có lần đọc vẫn trả về dữ liệu cũ). Tuy nhiên sau một khoảng thời gian (đồng bộ giữa các CSDL) thì cuối cùng các lần đọc đều trả về giá trị mới nhất.</a:t>
+            </a:r>
+            <a:endParaRPr lang="vi-VN" dirty="0" smtClean="0"/>
+          </a:p>
+          <a:p>
             <a:pPr marL="0" lvl="0" indent="0" algn="l" rtl="0">
               <a:spcBef>
                 <a:spcPts val="0"/>
@@ -3632,6 +3680,165 @@
               </a:spcAft>
               <a:buNone/>
             </a:pPr>
+            <a:r>
+              <a:rPr lang="en-US" dirty="0" err="1" smtClean="0"/>
+              <a:t>Mở</a:t>
+            </a:r>
+            <a:r>
+              <a:rPr lang="en-US" baseline="0" dirty="0" smtClean="0"/>
+              <a:t> </a:t>
+            </a:r>
+            <a:r>
+              <a:rPr lang="en-US" baseline="0" dirty="0" err="1" smtClean="0"/>
+              <a:t>rộng</a:t>
+            </a:r>
+            <a:r>
+              <a:rPr lang="en-US" baseline="0" dirty="0" smtClean="0"/>
+              <a:t> </a:t>
+            </a:r>
+            <a:r>
+              <a:rPr lang="en-US" baseline="0" dirty="0" err="1" smtClean="0"/>
+              <a:t>theo</a:t>
+            </a:r>
+            <a:r>
+              <a:rPr lang="en-US" baseline="0" dirty="0" smtClean="0"/>
+              <a:t> </a:t>
+            </a:r>
+            <a:r>
+              <a:rPr lang="en-US" baseline="0" dirty="0" err="1" smtClean="0"/>
+              <a:t>chiều</a:t>
+            </a:r>
+            <a:r>
+              <a:rPr lang="en-US" baseline="0" dirty="0" smtClean="0"/>
+              <a:t> </a:t>
+            </a:r>
+            <a:r>
+              <a:rPr lang="en-US" baseline="0" dirty="0" err="1" smtClean="0"/>
+              <a:t>dọc</a:t>
+            </a:r>
+            <a:r>
+              <a:rPr lang="en-US" baseline="0" dirty="0" smtClean="0"/>
+              <a:t>: </a:t>
+            </a:r>
+            <a:r>
+              <a:rPr lang="en-US" baseline="0" dirty="0" err="1" smtClean="0"/>
+              <a:t>tăng</a:t>
+            </a:r>
+            <a:r>
+              <a:rPr lang="en-US" baseline="0" dirty="0" smtClean="0"/>
+              <a:t> </a:t>
+            </a:r>
+            <a:r>
+              <a:rPr lang="en-US" baseline="0" dirty="0" err="1" smtClean="0"/>
+              <a:t>sức</a:t>
+            </a:r>
+            <a:r>
+              <a:rPr lang="en-US" baseline="0" dirty="0" smtClean="0"/>
+              <a:t> </a:t>
+            </a:r>
+            <a:r>
+              <a:rPr lang="en-US" baseline="0" dirty="0" err="1" smtClean="0"/>
+              <a:t>mạng</a:t>
+            </a:r>
+            <a:r>
+              <a:rPr lang="en-US" baseline="0" dirty="0" smtClean="0"/>
+              <a:t> </a:t>
+            </a:r>
+            <a:r>
+              <a:rPr lang="en-US" baseline="0" dirty="0" err="1" smtClean="0"/>
+              <a:t>cho</a:t>
+            </a:r>
+            <a:r>
+              <a:rPr lang="en-US" baseline="0" dirty="0" smtClean="0"/>
+              <a:t> </a:t>
+            </a:r>
+            <a:r>
+              <a:rPr lang="en-US" baseline="0" dirty="0" err="1" smtClean="0"/>
+              <a:t>máy</a:t>
+            </a:r>
+            <a:r>
+              <a:rPr lang="en-US" baseline="0" dirty="0" smtClean="0"/>
+              <a:t> </a:t>
+            </a:r>
+            <a:r>
+              <a:rPr lang="en-US" baseline="0" dirty="0" err="1" smtClean="0"/>
+              <a:t>chủ</a:t>
+            </a:r>
+            <a:r>
+              <a:rPr lang="en-US" baseline="0" dirty="0" smtClean="0"/>
+              <a:t/>
+            </a:r>
+            <a:br>
+              <a:rPr lang="en-US" baseline="0" dirty="0" smtClean="0"/>
+            </a:br>
+            <a:r>
+              <a:rPr lang="en-US" baseline="0" dirty="0" err="1" smtClean="0"/>
+              <a:t>Mở</a:t>
+            </a:r>
+            <a:r>
+              <a:rPr lang="en-US" baseline="0" dirty="0" smtClean="0"/>
+              <a:t> </a:t>
+            </a:r>
+            <a:r>
+              <a:rPr lang="en-US" baseline="0" dirty="0" err="1" smtClean="0"/>
+              <a:t>rộng</a:t>
+            </a:r>
+            <a:r>
+              <a:rPr lang="en-US" baseline="0" dirty="0" smtClean="0"/>
+              <a:t> </a:t>
+            </a:r>
+            <a:r>
+              <a:rPr lang="en-US" baseline="0" dirty="0" err="1" smtClean="0"/>
+              <a:t>theo</a:t>
+            </a:r>
+            <a:r>
+              <a:rPr lang="en-US" baseline="0" dirty="0" smtClean="0"/>
+              <a:t> </a:t>
+            </a:r>
+            <a:r>
+              <a:rPr lang="en-US" baseline="0" dirty="0" err="1" smtClean="0"/>
+              <a:t>chiều</a:t>
+            </a:r>
+            <a:r>
+              <a:rPr lang="en-US" baseline="0" dirty="0" smtClean="0"/>
+              <a:t> </a:t>
+            </a:r>
+            <a:r>
+              <a:rPr lang="en-US" baseline="0" dirty="0" err="1" smtClean="0"/>
+              <a:t>ngang</a:t>
+            </a:r>
+            <a:r>
+              <a:rPr lang="en-US" baseline="0" dirty="0" smtClean="0"/>
+              <a:t>: </a:t>
+            </a:r>
+            <a:r>
+              <a:rPr lang="en-US" baseline="0" dirty="0" err="1" smtClean="0"/>
+              <a:t>có</a:t>
+            </a:r>
+            <a:r>
+              <a:rPr lang="en-US" baseline="0" dirty="0" smtClean="0"/>
+              <a:t> </a:t>
+            </a:r>
+            <a:r>
+              <a:rPr lang="en-US" baseline="0" dirty="0" err="1" smtClean="0"/>
+              <a:t>nhiều</a:t>
+            </a:r>
+            <a:r>
+              <a:rPr lang="en-US" baseline="0" dirty="0" smtClean="0"/>
+              <a:t> </a:t>
+            </a:r>
+            <a:r>
+              <a:rPr lang="en-US" baseline="0" dirty="0" err="1" smtClean="0"/>
+              <a:t>máy</a:t>
+            </a:r>
+            <a:r>
+              <a:rPr lang="en-US" baseline="0" dirty="0" smtClean="0"/>
+              <a:t> </a:t>
+            </a:r>
+            <a:r>
+              <a:rPr lang="en-US" baseline="0" dirty="0" err="1" smtClean="0"/>
+              <a:t>chủ</a:t>
+            </a:r>
             <a:endParaRPr dirty="0"/>
           </a:p>
         </p:txBody>
@@ -3851,7 +4058,7 @@
                 <a:cs typeface="Arial"/>
                 <a:sym typeface="Arial"/>
               </a:rPr>
-              <a:t>Eventual Consistency</a:t>
+              <a:t>TRANSACTION trong SQL</a:t>
             </a:r>
             <a:r>
               <a:rPr lang="vi-VN" sz="1100" b="0" i="0" u="none" strike="noStrike" cap="none" dirty="0" smtClean="0">
@@ -3864,219 +4071,7 @@
                 <a:cs typeface="Arial"/>
                 <a:sym typeface="Arial"/>
               </a:rPr>
-              <a:t> (tính nhất quán cuối cùng, là một dạng của tính nhất quán yếu - Weak Consistency): Sau khi một cập nhật được diễn ra, các lần đọc sau đó không đảm bảo sẽ luôn trả về giá trị mới được cập nhật (có thể có lần đọc vẫn trả về dữ liệu cũ). Tuy nhiên sau một khoảng thời gian (đồng bộ giữa các CSDL) thì cuối cùng các lần đọc đều trả về giá trị mới nhất.</a:t>
-            </a:r>
-            <a:endParaRPr lang="vi-VN" dirty="0" smtClean="0"/>
-          </a:p>
-          <a:p>
-            <a:pPr marL="0" lvl="0" indent="0" algn="l" rtl="0">
-              <a:spcBef>
-                <a:spcPts val="0"/>
-              </a:spcBef>
-              <a:spcAft>
-                <a:spcPts val="0"/>
-              </a:spcAft>
-              <a:buNone/>
-            </a:pPr>
-            <a:r>
-              <a:rPr lang="en-US" sz="1100" b="0" i="0" u="none" strike="noStrike" cap="none" dirty="0" smtClean="0">
-                <a:solidFill>
-                  <a:srgbClr val="000000"/>
-                </a:solidFill>
-                <a:effectLst/>
-                <a:latin typeface="Arial"/>
-                <a:ea typeface="Arial"/>
-                <a:cs typeface="Arial"/>
-                <a:sym typeface="Arial"/>
-              </a:rPr>
-              <a:t>C</a:t>
-            </a:r>
-            <a:r>
-              <a:rPr lang="vi-VN" sz="1100" b="0" i="0" u="none" strike="noStrike" cap="none" dirty="0" smtClean="0">
-                <a:solidFill>
-                  <a:srgbClr val="000000"/>
-                </a:solidFill>
-                <a:effectLst/>
-                <a:latin typeface="Arial"/>
-                <a:ea typeface="Arial"/>
-                <a:cs typeface="Arial"/>
-                <a:sym typeface="Arial"/>
-              </a:rPr>
-              <a:t>ửa </a:t>
-            </a:r>
-            <a:r>
-              <a:rPr lang="vi-VN" sz="1100" b="1" i="0" u="none" strike="noStrike" cap="none" dirty="0" smtClean="0">
-                <a:solidFill>
-                  <a:srgbClr val="000000"/>
-                </a:solidFill>
-                <a:effectLst/>
-                <a:latin typeface="Arial"/>
-                <a:ea typeface="Arial"/>
-                <a:cs typeface="Arial"/>
-                <a:sym typeface="Arial"/>
-              </a:rPr>
-              <a:t>hàng cột</a:t>
-            </a:r>
-            <a:r>
-              <a:rPr lang="vi-VN" sz="1100" b="0" i="0" u="none" strike="noStrike" cap="none" dirty="0" smtClean="0">
-                <a:solidFill>
-                  <a:srgbClr val="000000"/>
-                </a:solidFill>
-                <a:effectLst/>
-                <a:latin typeface="Arial"/>
-                <a:ea typeface="Arial"/>
-                <a:cs typeface="Arial"/>
-                <a:sym typeface="Arial"/>
-              </a:rPr>
-              <a:t> rộng (hoặc </a:t>
-            </a:r>
-            <a:r>
-              <a:rPr lang="vi-VN" sz="1100" b="1" i="0" u="none" strike="noStrike" cap="none" dirty="0" smtClean="0">
-                <a:solidFill>
-                  <a:srgbClr val="000000"/>
-                </a:solidFill>
-                <a:effectLst/>
-                <a:latin typeface="Arial"/>
-                <a:ea typeface="Arial"/>
-                <a:cs typeface="Arial"/>
-                <a:sym typeface="Arial"/>
-              </a:rPr>
-              <a:t>kho lưu trữ bản ghi</a:t>
-            </a:r>
-            <a:r>
-              <a:rPr lang="vi-VN" sz="1100" b="0" i="0" u="none" strike="noStrike" cap="none" dirty="0" smtClean="0">
-                <a:solidFill>
-                  <a:srgbClr val="000000"/>
-                </a:solidFill>
-                <a:effectLst/>
-                <a:latin typeface="Arial"/>
-                <a:ea typeface="Arial"/>
-                <a:cs typeface="Arial"/>
-                <a:sym typeface="Arial"/>
-              </a:rPr>
-              <a:t> có thể mở rộng ) là một loại cơ </a:t>
-            </a:r>
-            <a:r>
-              <a:rPr lang="vi-VN" sz="1100" b="0" i="0" u="none" strike="noStrike" cap="none" dirty="0" smtClean="0">
-                <a:solidFill>
-                  <a:srgbClr val="000000"/>
-                </a:solidFill>
-                <a:effectLst/>
-                <a:latin typeface="Arial"/>
-                <a:ea typeface="Arial"/>
-                <a:cs typeface="Arial"/>
-                <a:sym typeface="Arial"/>
-                <a:hlinkClick r:id="rId3" tooltip="Cơ sở dữ liệu"/>
-              </a:rPr>
-              <a:t>sở dữ liệu </a:t>
-            </a:r>
-            <a:r>
-              <a:rPr lang="vi-VN" sz="1100" b="0" i="0" u="none" strike="noStrike" cap="none" dirty="0" smtClean="0">
-                <a:solidFill>
-                  <a:srgbClr val="000000"/>
-                </a:solidFill>
-                <a:effectLst/>
-                <a:latin typeface="Arial"/>
-                <a:ea typeface="Arial"/>
-                <a:cs typeface="Arial"/>
-                <a:sym typeface="Arial"/>
-                <a:hlinkClick r:id="rId4" tooltip="NoSQL"/>
-              </a:rPr>
-              <a:t>NoSQL</a:t>
-            </a:r>
-            <a:r>
-              <a:rPr lang="vi-VN" sz="1100" b="0" i="0" u="none" strike="noStrike" cap="none" dirty="0" smtClean="0">
-                <a:solidFill>
-                  <a:srgbClr val="000000"/>
-                </a:solidFill>
-                <a:effectLst/>
-                <a:latin typeface="Arial"/>
-                <a:ea typeface="Arial"/>
-                <a:cs typeface="Arial"/>
-                <a:sym typeface="Arial"/>
-              </a:rPr>
-              <a:t> . </a:t>
-            </a:r>
-            <a:r>
-              <a:rPr lang="vi-VN" sz="1100" b="0" i="0" u="none" strike="noStrike" cap="none" baseline="30000" dirty="0" smtClean="0">
-                <a:solidFill>
-                  <a:srgbClr val="000000"/>
-                </a:solidFill>
-                <a:effectLst/>
-                <a:latin typeface="Arial"/>
-                <a:ea typeface="Arial"/>
-                <a:cs typeface="Arial"/>
-                <a:sym typeface="Arial"/>
-                <a:hlinkClick r:id="rId5"/>
-              </a:rPr>
-              <a:t>[1]</a:t>
-            </a:r>
-            <a:r>
-              <a:rPr lang="vi-VN" sz="1100" b="0" i="0" u="none" strike="noStrike" cap="none" dirty="0" smtClean="0">
-                <a:solidFill>
-                  <a:srgbClr val="000000"/>
-                </a:solidFill>
-                <a:effectLst/>
-                <a:latin typeface="Arial"/>
-                <a:ea typeface="Arial"/>
-                <a:cs typeface="Arial"/>
-                <a:sym typeface="Arial"/>
-              </a:rPr>
-              <a:t> Nó sử dụng bảng, hàng và cột, nhưng không giống như </a:t>
-            </a:r>
-            <a:r>
-              <a:rPr lang="vi-VN" sz="1100" b="0" i="0" u="none" strike="noStrike" cap="none" dirty="0" smtClean="0">
-                <a:solidFill>
-                  <a:srgbClr val="000000"/>
-                </a:solidFill>
-                <a:effectLst/>
-                <a:latin typeface="Arial"/>
-                <a:ea typeface="Arial"/>
-                <a:cs typeface="Arial"/>
-                <a:sym typeface="Arial"/>
-                <a:hlinkClick r:id="rId6" tooltip="Cơ sở dữ liệu quan hệ"/>
-              </a:rPr>
-              <a:t>cơ sở dữ liệu quan hệ</a:t>
-            </a:r>
-            <a:r>
-              <a:rPr lang="vi-VN" sz="1100" b="0" i="0" u="none" strike="noStrike" cap="none" dirty="0" smtClean="0">
-                <a:solidFill>
-                  <a:srgbClr val="000000"/>
-                </a:solidFill>
-                <a:effectLst/>
-                <a:latin typeface="Arial"/>
-                <a:ea typeface="Arial"/>
-                <a:cs typeface="Arial"/>
-                <a:sym typeface="Arial"/>
-              </a:rPr>
-              <a:t> , tên và định dạng của các cột có thể khác nhau giữa các hàng trong cùng một bảng. Cửa hàng cột rộng có thể được hiểu là </a:t>
-            </a:r>
-            <a:r>
-              <a:rPr lang="vi-VN" sz="1100" b="0" i="0" u="none" strike="noStrike" cap="none" dirty="0" smtClean="0">
-                <a:solidFill>
-                  <a:srgbClr val="000000"/>
-                </a:solidFill>
-                <a:effectLst/>
-                <a:latin typeface="Arial"/>
-                <a:ea typeface="Arial"/>
-                <a:cs typeface="Arial"/>
-                <a:sym typeface="Arial"/>
-                <a:hlinkClick r:id="rId7" tooltip="Kho khóa-giá trị"/>
-              </a:rPr>
-              <a:t>kho giá trị-khóa</a:t>
-            </a:r>
-            <a:r>
-              <a:rPr lang="vi-VN" sz="1100" b="0" i="0" u="none" strike="noStrike" cap="none" dirty="0" smtClean="0">
-                <a:solidFill>
-                  <a:srgbClr val="000000"/>
-                </a:solidFill>
-                <a:effectLst/>
-                <a:latin typeface="Arial"/>
-                <a:ea typeface="Arial"/>
-                <a:cs typeface="Arial"/>
-                <a:sym typeface="Arial"/>
-              </a:rPr>
-              <a:t> hai chiều </a:t>
+              <a:t> là tiến trình thực hiện một nhóm các câu lệnh SQL. Các câu lệnh này được thực thi một cách tuần tự và độc lập. Một Transaction được thực hiện thành công khi tất cả câu lệnh đều thành công, khi đó tất cả các thay đổi dữ liệu được thực hiện trong Transaction được lưu vào cơ sở dữ liệu</a:t>
             </a:r>
             <a:endParaRPr dirty="0"/>
           </a:p>
@@ -4187,207 +4182,6 @@
               </a:spcAft>
               <a:buNone/>
             </a:pPr>
-            <a:r>
-              <a:rPr lang="vi-VN" sz="1100" b="0" i="0" u="none" strike="noStrike" cap="none" dirty="0" smtClean="0">
-                <a:solidFill>
-                  <a:srgbClr val="000000"/>
-                </a:solidFill>
-                <a:effectLst/>
-                <a:latin typeface="Arial"/>
-                <a:ea typeface="Arial"/>
-                <a:cs typeface="Arial"/>
-                <a:sym typeface="Arial"/>
-              </a:rPr>
-              <a:t>Cửa </a:t>
-            </a:r>
-            <a:r>
-              <a:rPr lang="vi-VN" sz="1100" b="1" i="0" u="none" strike="noStrike" cap="none" dirty="0" smtClean="0">
-                <a:solidFill>
-                  <a:srgbClr val="000000"/>
-                </a:solidFill>
-                <a:effectLst/>
-                <a:latin typeface="Arial"/>
-                <a:ea typeface="Arial"/>
-                <a:cs typeface="Arial"/>
-                <a:sym typeface="Arial"/>
-              </a:rPr>
-              <a:t>hàng cột</a:t>
-            </a:r>
-            <a:r>
-              <a:rPr lang="vi-VN" sz="1100" b="0" i="0" u="none" strike="noStrike" cap="none" dirty="0" smtClean="0">
-                <a:solidFill>
-                  <a:srgbClr val="000000"/>
-                </a:solidFill>
-                <a:effectLst/>
-                <a:latin typeface="Arial"/>
-                <a:ea typeface="Arial"/>
-                <a:cs typeface="Arial"/>
-                <a:sym typeface="Arial"/>
-              </a:rPr>
-              <a:t> rộng (hoặc </a:t>
-            </a:r>
-            <a:r>
-              <a:rPr lang="vi-VN" sz="1100" b="1" i="0" u="none" strike="noStrike" cap="none" dirty="0" smtClean="0">
-                <a:solidFill>
-                  <a:srgbClr val="000000"/>
-                </a:solidFill>
-                <a:effectLst/>
-                <a:latin typeface="Arial"/>
-                <a:ea typeface="Arial"/>
-                <a:cs typeface="Arial"/>
-                <a:sym typeface="Arial"/>
-              </a:rPr>
-              <a:t>kho lưu trữ bản ghi</a:t>
-            </a:r>
-            <a:r>
-              <a:rPr lang="vi-VN" sz="1100" b="0" i="0" u="none" strike="noStrike" cap="none" dirty="0" smtClean="0">
-                <a:solidFill>
-                  <a:srgbClr val="000000"/>
-                </a:solidFill>
-                <a:effectLst/>
-                <a:latin typeface="Arial"/>
-                <a:ea typeface="Arial"/>
-                <a:cs typeface="Arial"/>
-                <a:sym typeface="Arial"/>
-              </a:rPr>
-              <a:t> có thể mở rộng ) là một loại cơ </a:t>
-            </a:r>
-            <a:r>
-              <a:rPr lang="vi-VN" sz="1100" b="0" i="0" u="none" strike="noStrike" cap="none" dirty="0" smtClean="0">
-                <a:solidFill>
-                  <a:srgbClr val="000000"/>
-                </a:solidFill>
-                <a:effectLst/>
-                <a:latin typeface="Arial"/>
-                <a:ea typeface="Arial"/>
-                <a:cs typeface="Arial"/>
-                <a:sym typeface="Arial"/>
-                <a:hlinkClick r:id="rId3" tooltip="Cơ sở dữ liệu"/>
-              </a:rPr>
-              <a:t>sở dữ liệu </a:t>
-            </a:r>
-            <a:r>
-              <a:rPr lang="vi-VN" sz="1100" b="0" i="0" u="none" strike="noStrike" cap="none" dirty="0" smtClean="0">
-                <a:solidFill>
-                  <a:srgbClr val="000000"/>
-                </a:solidFill>
-                <a:effectLst/>
-                <a:latin typeface="Arial"/>
-                <a:ea typeface="Arial"/>
-                <a:cs typeface="Arial"/>
-                <a:sym typeface="Arial"/>
-                <a:hlinkClick r:id="rId4" tooltip="NoSQL"/>
-              </a:rPr>
-              <a:t>NoSQL</a:t>
-            </a:r>
-            <a:r>
-              <a:rPr lang="vi-VN" sz="1100" b="0" i="0" u="none" strike="noStrike" cap="none" dirty="0" smtClean="0">
-                <a:solidFill>
-                  <a:srgbClr val="000000"/>
-                </a:solidFill>
-                <a:effectLst/>
-                <a:latin typeface="Arial"/>
-                <a:ea typeface="Arial"/>
-                <a:cs typeface="Arial"/>
-                <a:sym typeface="Arial"/>
-              </a:rPr>
-              <a:t> . </a:t>
-            </a:r>
-            <a:r>
-              <a:rPr lang="vi-VN" sz="1100" b="0" i="0" u="none" strike="noStrike" cap="none" baseline="30000" dirty="0" smtClean="0">
-                <a:solidFill>
-                  <a:srgbClr val="000000"/>
-                </a:solidFill>
-                <a:effectLst/>
-                <a:latin typeface="Arial"/>
-                <a:ea typeface="Arial"/>
-                <a:cs typeface="Arial"/>
-                <a:sym typeface="Arial"/>
-                <a:hlinkClick r:id="rId5"/>
-              </a:rPr>
-              <a:t>[1]</a:t>
-            </a:r>
-            <a:r>
-              <a:rPr lang="vi-VN" sz="1100" b="0" i="0" u="none" strike="noStrike" cap="none" dirty="0" smtClean="0">
-                <a:solidFill>
-                  <a:srgbClr val="000000"/>
-                </a:solidFill>
-                <a:effectLst/>
-                <a:latin typeface="Arial"/>
-                <a:ea typeface="Arial"/>
-                <a:cs typeface="Arial"/>
-                <a:sym typeface="Arial"/>
-              </a:rPr>
-              <a:t> Nó sử dụng bảng, hàng và cột, nhưng không giống như </a:t>
-            </a:r>
-            <a:r>
-              <a:rPr lang="vi-VN" sz="1100" b="0" i="0" u="none" strike="noStrike" cap="none" dirty="0" smtClean="0">
-                <a:solidFill>
-                  <a:srgbClr val="000000"/>
-                </a:solidFill>
-                <a:effectLst/>
-                <a:latin typeface="Arial"/>
-                <a:ea typeface="Arial"/>
-                <a:cs typeface="Arial"/>
-                <a:sym typeface="Arial"/>
-                <a:hlinkClick r:id="rId6" tooltip="Cơ sở dữ liệu quan hệ"/>
-              </a:rPr>
-              <a:t>cơ sở dữ liệu quan hệ</a:t>
-            </a:r>
-            <a:r>
-              <a:rPr lang="vi-VN" sz="1100" b="0" i="0" u="none" strike="noStrike" cap="none" dirty="0" smtClean="0">
-                <a:solidFill>
-                  <a:srgbClr val="000000"/>
-                </a:solidFill>
-                <a:effectLst/>
-                <a:latin typeface="Arial"/>
-                <a:ea typeface="Arial"/>
-                <a:cs typeface="Arial"/>
-                <a:sym typeface="Arial"/>
-              </a:rPr>
-              <a:t> , tên và định dạng của các cột có thể khác nhau giữa các hàng trong cùng một bảng. Cửa hàng cột rộng có thể được hiểu là </a:t>
-            </a:r>
-            <a:r>
-              <a:rPr lang="vi-VN" sz="1100" b="0" i="0" u="none" strike="noStrike" cap="none" dirty="0" smtClean="0">
-                <a:solidFill>
-                  <a:srgbClr val="000000"/>
-                </a:solidFill>
-                <a:effectLst/>
-                <a:latin typeface="Arial"/>
-                <a:ea typeface="Arial"/>
-                <a:cs typeface="Arial"/>
-                <a:sym typeface="Arial"/>
-                <a:hlinkClick r:id="rId7" tooltip="Kho khóa-giá trị"/>
-              </a:rPr>
-              <a:t>kho giá trị-khóa</a:t>
-            </a:r>
-            <a:r>
-              <a:rPr lang="vi-VN" sz="1100" b="0" i="0" u="none" strike="noStrike" cap="none" dirty="0" smtClean="0">
-                <a:solidFill>
-                  <a:srgbClr val="000000"/>
-                </a:solidFill>
-                <a:effectLst/>
-                <a:latin typeface="Arial"/>
-                <a:ea typeface="Arial"/>
-                <a:cs typeface="Arial"/>
-                <a:sym typeface="Arial"/>
-              </a:rPr>
-              <a:t> hai chiều . </a:t>
-            </a:r>
-            <a:r>
-              <a:rPr lang="vi-VN" sz="1100" b="0" i="0" u="none" strike="noStrike" cap="none" baseline="30000" dirty="0" smtClean="0">
-                <a:solidFill>
-                  <a:srgbClr val="000000"/>
-                </a:solidFill>
-                <a:effectLst/>
-                <a:latin typeface="Arial"/>
-                <a:ea typeface="Arial"/>
-                <a:cs typeface="Arial"/>
-                <a:sym typeface="Arial"/>
-                <a:hlinkClick r:id="rId5"/>
-              </a:rPr>
-              <a:t>[1]</a:t>
-            </a:r>
             <a:endParaRPr dirty="0"/>
           </a:p>
         </p:txBody>
@@ -23883,7 +23677,7 @@
         </p:nvSpPr>
         <p:spPr>
           <a:xfrm>
-            <a:off x="5633545" y="4172173"/>
+            <a:off x="5633545" y="4049991"/>
             <a:ext cx="3510455" cy="1093509"/>
           </a:xfrm>
           <a:prstGeom prst="rect">
@@ -24249,16 +24043,6 @@
                 </a:solidFill>
               </a:rPr>
               <a:t> - 16521824</a:t>
-            </a:r>
-            <a:r>
-              <a:rPr lang="en-US" dirty="0" smtClean="0">
-                <a:solidFill>
-                  <a:schemeClr val="accent2">
-                    <a:lumMod val="50000"/>
-                  </a:schemeClr>
-                </a:solidFill>
-              </a:rPr>
-              <a:t/>
             </a:r>
             <a:br>
               <a:rPr lang="en-US" dirty="0" smtClean="0">
@@ -24574,7 +24358,7 @@
           <p:nvPr>
             <p:extLst>
               <p:ext uri="{D42A27DB-BD31-4B8C-83A1-F6EECF244321}">
-                <p14:modId xmlns:p14="http://schemas.microsoft.com/office/powerpoint/2010/main" val="530080927"/>
+                <p14:modId xmlns:p14="http://schemas.microsoft.com/office/powerpoint/2010/main" val="984513853"/>
               </p:ext>
             </p:extLst>
           </p:nvPr>
@@ -24590,21 +24374,21 @@
                 <a:tableStyleId>{069993A8-07D0-4223-9949-B73208B636BB}</a:tableStyleId>
               </a:tblPr>
               <a:tblGrid>
-                <a:gridCol w="1665932">
+                <a:gridCol w="2005267">
                   <a:extLst>
                     <a:ext uri="{9D8B030D-6E8A-4147-A177-3AD203B41FA5}">
                       <a16:colId xmlns:a16="http://schemas.microsoft.com/office/drawing/2014/main" val="2151675578"/>
                     </a:ext>
                   </a:extLst>
                 </a:gridCol>
-                <a:gridCol w="606866">
+                <a:gridCol w="515816">
                   <a:extLst>
                     <a:ext uri="{9D8B030D-6E8A-4147-A177-3AD203B41FA5}">
                       <a16:colId xmlns:a16="http://schemas.microsoft.com/office/drawing/2014/main" val="3513274119"/>
                     </a:ext>
                   </a:extLst>
                 </a:gridCol>
-                <a:gridCol w="2565614">
+                <a:gridCol w="2317329">
                   <a:extLst>
                     <a:ext uri="{9D8B030D-6E8A-4147-A177-3AD203B41FA5}">
                       <a16:colId xmlns:a16="http://schemas.microsoft.com/office/drawing/2014/main" val="241871353"/>
@@ -24637,7 +24421,19 @@
                         <a:rPr lang="en-US" sz="1400" u="none" strike="noStrike" dirty="0">
                           <a:effectLst/>
                         </a:rPr>
-                        <a:t>Employee By Car</a:t>
+                        <a:t>Employee </a:t>
+                      </a:r>
+                      <a:r>
+                        <a:rPr lang="en-US" sz="1400" u="none" strike="noStrike" dirty="0" smtClean="0">
+                          <a:effectLst/>
+                        </a:rPr>
+                        <a:t>And </a:t>
+                      </a:r>
+                      <a:r>
+                        <a:rPr lang="en-US" sz="1400" u="none" strike="noStrike" dirty="0">
+                          <a:effectLst/>
+                        </a:rPr>
+                        <a:t>Car</a:t>
                       </a:r>
                       <a:endParaRPr lang="en-US" sz="1400" b="1" i="0" u="none" strike="noStrike" dirty="0">
                         <a:solidFill>
@@ -24707,7 +24503,7 @@
                         <a:rPr lang="en-US" sz="1400" u="none" strike="noStrike" dirty="0" smtClean="0">
                           <a:effectLst/>
                         </a:rPr>
-                        <a:t>{Make: Toyota}</a:t>
+                        <a:t>{Manufacturer: Toyota}</a:t>
                       </a:r>
                       <a:endParaRPr lang="en-US" sz="1400" b="0" i="0" u="none" strike="noStrike" dirty="0">
                         <a:solidFill>
@@ -24841,7 +24637,7 @@
                         <a:rPr lang="en-US" sz="1400" u="none" strike="noStrike" dirty="0" smtClean="0">
                           <a:effectLst/>
                         </a:rPr>
-                        <a:t>{Make: Hyundai}</a:t>
+                        <a:t>{Manufacturer: Hyundai}</a:t>
                       </a:r>
                       <a:endParaRPr lang="en-US" sz="1400" b="0" i="0" u="none" strike="noStrike" dirty="0">
                         <a:solidFill>
@@ -24999,7 +24795,7 @@
                         <a:rPr lang="en-US" sz="1400" u="none" strike="noStrike" dirty="0" smtClean="0">
                           <a:effectLst/>
                         </a:rPr>
-                        <a:t>{Make: Toyota}</a:t>
+                        <a:t>{Manufacturer: Toyota}</a:t>
                       </a:r>
                       <a:endParaRPr lang="en-US" sz="1400" b="0" i="0" u="none" strike="noStrike" dirty="0">
                         <a:solidFill>
@@ -25145,7 +24941,7 @@
                         <a:rPr lang="en-US" sz="1400" u="none" strike="noStrike" dirty="0" smtClean="0">
                           <a:effectLst/>
                         </a:rPr>
-                        <a:t>{Make: KIA}</a:t>
+                        <a:t>{Manufacturer: KIA}</a:t>
                       </a:r>
                       <a:endParaRPr lang="en-US" sz="1400" b="0" i="0" u="none" strike="noStrike" dirty="0">
                         <a:solidFill>
@@ -25279,7 +25075,7 @@
                         <a:rPr lang="en-US" sz="1400" u="none" strike="noStrike" dirty="0" smtClean="0">
                           <a:effectLst/>
                         </a:rPr>
-                        <a:t>{Make: </a:t>
+                        <a:t>{Manufacturer: </a:t>
                       </a:r>
                       <a:r>
                         <a:rPr lang="en-US" sz="1400" u="none" strike="noStrike" dirty="0" err="1" smtClean="0">
@@ -25437,7 +25233,7 @@
                         <a:rPr lang="en-US" sz="1400" u="none" strike="noStrike" dirty="0" smtClean="0">
                           <a:effectLst/>
                         </a:rPr>
-                        <a:t>{Make: BMW}</a:t>
+                        <a:t>{Manufacturer: BMW}</a:t>
                       </a:r>
                       <a:endParaRPr lang="en-US" sz="1400" b="0" i="0" u="none" strike="noStrike" dirty="0">
                         <a:solidFill>
@@ -25571,7 +25367,7 @@
                         <a:rPr lang="en-US" sz="1400" u="none" strike="noStrike" dirty="0" smtClean="0">
                           <a:effectLst/>
                         </a:rPr>
-                        <a:t>{Make: Hyundai}</a:t>
+                        <a:t>{Manufacturer: Hyundai}</a:t>
                       </a:r>
                       <a:endParaRPr lang="en-US" sz="1400" b="0" i="0" u="none" strike="noStrike" dirty="0">
                         <a:solidFill>
@@ -29825,7 +29621,23 @@
             </a:r>
             <a:r>
               <a:rPr lang="en-US" sz="1600" dirty="0" smtClean="0"/>
-              <a:t>1};</a:t>
+              <a:t>1</a:t>
+            </a:r>
+            <a:r>
+              <a:rPr lang="en-US" sz="1600" dirty="0"/>
+              <a:t>} AND </a:t>
+            </a:r>
+            <a:r>
+              <a:rPr lang="en-US" sz="1600" dirty="0" err="1"/>
+              <a:t>durable_writes</a:t>
+            </a:r>
+            <a:r>
+              <a:rPr lang="en-US" sz="1600" dirty="0"/>
+              <a:t> = </a:t>
+            </a:r>
+            <a:r>
+              <a:rPr lang="en-US" sz="1600" dirty="0" smtClean="0"/>
+              <a:t>‘true’;</a:t>
             </a:r>
             <a:endParaRPr lang="en-US" sz="1600" dirty="0"/>
           </a:p>
@@ -29882,7 +29694,7 @@
           <p:nvPr>
             <p:extLst>
               <p:ext uri="{D42A27DB-BD31-4B8C-83A1-F6EECF244321}">
-                <p14:modId xmlns:p14="http://schemas.microsoft.com/office/powerpoint/2010/main" val="2030394340"/>
+                <p14:modId xmlns:p14="http://schemas.microsoft.com/office/powerpoint/2010/main" val="2185803273"/>
               </p:ext>
             </p:extLst>
           </p:nvPr>
@@ -30125,7 +29937,7 @@
                     <a:p>
                       <a:pPr fontAlgn="t"/>
                       <a:r>
-                        <a:rPr lang="en-US">
+                        <a:rPr lang="en-US" dirty="0" err="1" smtClean="0">
                           <a:solidFill>
                             <a:schemeClr val="accent2">
                               <a:lumMod val="50000"/>
@@ -30133,8 +29945,170 @@
                           </a:solidFill>
                           <a:effectLst/>
                         </a:rPr>
-                        <a:t>Specifies a simple replication factor for the cluster.</a:t>
+                        <a:t>Yếu</a:t>
                       </a:r>
+                      <a:r>
+                        <a:rPr lang="en-US" baseline="0" dirty="0" smtClean="0">
+                          <a:solidFill>
+                            <a:schemeClr val="accent2">
+                              <a:lumMod val="50000"/>
+                            </a:schemeClr>
+                          </a:solidFill>
+                          <a:effectLst/>
+                        </a:rPr>
+                        <a:t> </a:t>
+                      </a:r>
+                      <a:r>
+                        <a:rPr lang="en-US" baseline="0" dirty="0" err="1" smtClean="0">
+                          <a:solidFill>
+                            <a:schemeClr val="accent2">
+                              <a:lumMod val="50000"/>
+                            </a:schemeClr>
+                          </a:solidFill>
+                          <a:effectLst/>
+                        </a:rPr>
+                        <a:t>tố</a:t>
+                      </a:r>
+                      <a:r>
+                        <a:rPr lang="en-US" baseline="0" dirty="0" smtClean="0">
+                          <a:solidFill>
+                            <a:schemeClr val="accent2">
+                              <a:lumMod val="50000"/>
+                            </a:schemeClr>
+                          </a:solidFill>
+                          <a:effectLst/>
+                        </a:rPr>
+                        <a:t> </a:t>
+                      </a:r>
+                      <a:r>
+                        <a:rPr lang="en-US" baseline="0" dirty="0" err="1" smtClean="0">
+                          <a:solidFill>
+                            <a:schemeClr val="accent2">
+                              <a:lumMod val="50000"/>
+                            </a:schemeClr>
+                          </a:solidFill>
+                          <a:effectLst/>
+                        </a:rPr>
+                        <a:t>sao</a:t>
+                      </a:r>
+                      <a:r>
+                        <a:rPr lang="en-US" baseline="0" dirty="0" smtClean="0">
+                          <a:solidFill>
+                            <a:schemeClr val="accent2">
+                              <a:lumMod val="50000"/>
+                            </a:schemeClr>
+                          </a:solidFill>
+                          <a:effectLst/>
+                        </a:rPr>
+                        <a:t> </a:t>
+                      </a:r>
+                      <a:r>
+                        <a:rPr lang="en-US" baseline="0" dirty="0" err="1" smtClean="0">
+                          <a:solidFill>
+                            <a:schemeClr val="accent2">
+                              <a:lumMod val="50000"/>
+                            </a:schemeClr>
+                          </a:solidFill>
+                          <a:effectLst/>
+                        </a:rPr>
+                        <a:t>chép</a:t>
+                      </a:r>
+                      <a:r>
+                        <a:rPr lang="en-US" baseline="0" dirty="0" smtClean="0">
+                          <a:solidFill>
+                            <a:schemeClr val="accent2">
+                              <a:lumMod val="50000"/>
+                            </a:schemeClr>
+                          </a:solidFill>
+                          <a:effectLst/>
+                        </a:rPr>
+                        <a:t> </a:t>
+                      </a:r>
+                      <a:r>
+                        <a:rPr lang="en-US" baseline="0" dirty="0" err="1" smtClean="0">
+                          <a:solidFill>
+                            <a:schemeClr val="accent2">
+                              <a:lumMod val="50000"/>
+                            </a:schemeClr>
+                          </a:solidFill>
+                          <a:effectLst/>
+                        </a:rPr>
+                        <a:t>đơn</a:t>
+                      </a:r>
+                      <a:r>
+                        <a:rPr lang="en-US" baseline="0" dirty="0" smtClean="0">
+                          <a:solidFill>
+                            <a:schemeClr val="accent2">
+                              <a:lumMod val="50000"/>
+                            </a:schemeClr>
+                          </a:solidFill>
+                          <a:effectLst/>
+                        </a:rPr>
+                        <a:t> </a:t>
+                      </a:r>
+                      <a:r>
+                        <a:rPr lang="en-US" baseline="0" dirty="0" err="1" smtClean="0">
+                          <a:solidFill>
+                            <a:schemeClr val="accent2">
+                              <a:lumMod val="50000"/>
+                            </a:schemeClr>
+                          </a:solidFill>
+                          <a:effectLst/>
+                        </a:rPr>
+                        <a:t>giản</a:t>
+                      </a:r>
+                      <a:r>
+                        <a:rPr lang="en-US" baseline="0" dirty="0" smtClean="0">
+                          <a:solidFill>
+                            <a:schemeClr val="accent2">
+                              <a:lumMod val="50000"/>
+                            </a:schemeClr>
+                          </a:solidFill>
+                          <a:effectLst/>
+                        </a:rPr>
+                        <a:t> </a:t>
+                      </a:r>
+                      <a:r>
+                        <a:rPr lang="en-US" baseline="0" dirty="0" err="1" smtClean="0">
+                          <a:solidFill>
+                            <a:schemeClr val="accent2">
+                              <a:lumMod val="50000"/>
+                            </a:schemeClr>
+                          </a:solidFill>
+                          <a:effectLst/>
+                        </a:rPr>
+                        <a:t>cho</a:t>
+                      </a:r>
+                      <a:r>
+                        <a:rPr lang="en-US" baseline="0" dirty="0" smtClean="0">
+                          <a:solidFill>
+                            <a:schemeClr val="accent2">
+                              <a:lumMod val="50000"/>
+                            </a:schemeClr>
+                          </a:solidFill>
+                          <a:effectLst/>
+                        </a:rPr>
+                        <a:t> </a:t>
+                      </a:r>
+                      <a:r>
+                        <a:rPr lang="en-US" baseline="0" dirty="0" err="1" smtClean="0">
+                          <a:solidFill>
+                            <a:schemeClr val="accent2">
+                              <a:lumMod val="50000"/>
+                            </a:schemeClr>
+                          </a:solidFill>
+                          <a:effectLst/>
+                        </a:rPr>
+                        <a:t>cụm</a:t>
+                      </a:r>
+                      <a:endParaRPr lang="en-US" dirty="0">
+                        <a:solidFill>
+                          <a:schemeClr val="accent2">
+                            <a:lumMod val="50000"/>
+                          </a:schemeClr>
+                        </a:solidFill>
+                        <a:effectLst/>
+                      </a:endParaRPr>
                     </a:p>
                   </a:txBody>
                   <a:tcPr marL="76200" marR="76200" marT="76200" marB="76200">
@@ -30256,7 +30230,7 @@
                     <a:p>
                       <a:pPr fontAlgn="t"/>
                       <a:r>
-                        <a:rPr lang="en-US" dirty="0">
+                        <a:rPr lang="en-US" dirty="0" err="1" smtClean="0">
                           <a:solidFill>
                             <a:schemeClr val="accent2">
                               <a:lumMod val="50000"/>
@@ -30264,8 +30238,390 @@
                           </a:solidFill>
                           <a:effectLst/>
                         </a:rPr>
-                        <a:t>Using this option, you can set the replication factor for each data-center independently.</a:t>
+                        <a:t>Sử</a:t>
                       </a:r>
+                      <a:r>
+                        <a:rPr lang="en-US" baseline="0" dirty="0" smtClean="0">
+                          <a:solidFill>
+                            <a:schemeClr val="accent2">
+                              <a:lumMod val="50000"/>
+                            </a:schemeClr>
+                          </a:solidFill>
+                          <a:effectLst/>
+                        </a:rPr>
+                        <a:t> </a:t>
+                      </a:r>
+                      <a:r>
+                        <a:rPr lang="en-US" baseline="0" dirty="0" err="1" smtClean="0">
+                          <a:solidFill>
+                            <a:schemeClr val="accent2">
+                              <a:lumMod val="50000"/>
+                            </a:schemeClr>
+                          </a:solidFill>
+                          <a:effectLst/>
+                        </a:rPr>
+                        <a:t>dụng</a:t>
+                      </a:r>
+                      <a:r>
+                        <a:rPr lang="en-US" baseline="0" dirty="0" smtClean="0">
+                          <a:solidFill>
+                            <a:schemeClr val="accent2">
+                              <a:lumMod val="50000"/>
+                            </a:schemeClr>
+                          </a:solidFill>
+                          <a:effectLst/>
+                        </a:rPr>
+                        <a:t> </a:t>
+                      </a:r>
+                      <a:r>
+                        <a:rPr lang="en-US" baseline="0" dirty="0" err="1" smtClean="0">
+                          <a:solidFill>
+                            <a:schemeClr val="accent2">
+                              <a:lumMod val="50000"/>
+                            </a:schemeClr>
+                          </a:solidFill>
+                          <a:effectLst/>
+                        </a:rPr>
+                        <a:t>lựa</a:t>
+                      </a:r>
+                      <a:r>
+                        <a:rPr lang="en-US" baseline="0" dirty="0" smtClean="0">
+                          <a:solidFill>
+                            <a:schemeClr val="accent2">
+                              <a:lumMod val="50000"/>
+                            </a:schemeClr>
+                          </a:solidFill>
+                          <a:effectLst/>
+                        </a:rPr>
+                        <a:t> </a:t>
+                      </a:r>
+                      <a:r>
+                        <a:rPr lang="en-US" baseline="0" dirty="0" err="1" smtClean="0">
+                          <a:solidFill>
+                            <a:schemeClr val="accent2">
+                              <a:lumMod val="50000"/>
+                            </a:schemeClr>
+                          </a:solidFill>
+                          <a:effectLst/>
+                        </a:rPr>
+                        <a:t>chọn</a:t>
+                      </a:r>
+                      <a:r>
+                        <a:rPr lang="en-US" baseline="0" dirty="0" smtClean="0">
+                          <a:solidFill>
+                            <a:schemeClr val="accent2">
+                              <a:lumMod val="50000"/>
+                            </a:schemeClr>
+                          </a:solidFill>
+                          <a:effectLst/>
+                        </a:rPr>
+                        <a:t> </a:t>
+                      </a:r>
+                      <a:r>
+                        <a:rPr lang="en-US" baseline="0" dirty="0" err="1" smtClean="0">
+                          <a:solidFill>
+                            <a:schemeClr val="accent2">
+                              <a:lumMod val="50000"/>
+                            </a:schemeClr>
+                          </a:solidFill>
+                          <a:effectLst/>
+                        </a:rPr>
+                        <a:t>này</a:t>
+                      </a:r>
+                      <a:r>
+                        <a:rPr lang="en-US" baseline="0" dirty="0" smtClean="0">
+                          <a:solidFill>
+                            <a:schemeClr val="accent2">
+                              <a:lumMod val="50000"/>
+                            </a:schemeClr>
+                          </a:solidFill>
+                          <a:effectLst/>
+                        </a:rPr>
+                        <a:t> </a:t>
+                      </a:r>
+                      <a:r>
+                        <a:rPr lang="en-US" baseline="0" dirty="0" err="1" smtClean="0">
+                          <a:solidFill>
+                            <a:schemeClr val="accent2">
+                              <a:lumMod val="50000"/>
+                            </a:schemeClr>
+                          </a:solidFill>
+                          <a:effectLst/>
+                        </a:rPr>
+                        <a:t>có</a:t>
+                      </a:r>
+                      <a:r>
+                        <a:rPr lang="en-US" baseline="0" dirty="0" smtClean="0">
+                          <a:solidFill>
+                            <a:schemeClr val="accent2">
+                              <a:lumMod val="50000"/>
+                            </a:schemeClr>
+                          </a:solidFill>
+                          <a:effectLst/>
+                        </a:rPr>
+                        <a:t> </a:t>
+                      </a:r>
+                      <a:r>
+                        <a:rPr lang="en-US" baseline="0" dirty="0" err="1" smtClean="0">
+                          <a:solidFill>
+                            <a:schemeClr val="accent2">
+                              <a:lumMod val="50000"/>
+                            </a:schemeClr>
+                          </a:solidFill>
+                          <a:effectLst/>
+                        </a:rPr>
+                        <a:t>thể</a:t>
+                      </a:r>
+                      <a:r>
+                        <a:rPr lang="en-US" baseline="0" dirty="0" smtClean="0">
+                          <a:solidFill>
+                            <a:schemeClr val="accent2">
+                              <a:lumMod val="50000"/>
+                            </a:schemeClr>
+                          </a:solidFill>
+                          <a:effectLst/>
+                        </a:rPr>
+                        <a:t> </a:t>
+                      </a:r>
+                      <a:r>
+                        <a:rPr lang="en-US" baseline="0" dirty="0" err="1" smtClean="0">
+                          <a:solidFill>
+                            <a:schemeClr val="accent2">
+                              <a:lumMod val="50000"/>
+                            </a:schemeClr>
+                          </a:solidFill>
+                          <a:effectLst/>
+                        </a:rPr>
+                        <a:t>đặt</a:t>
+                      </a:r>
+                      <a:r>
+                        <a:rPr lang="en-US" baseline="0" dirty="0" smtClean="0">
+                          <a:solidFill>
+                            <a:schemeClr val="accent2">
+                              <a:lumMod val="50000"/>
+                            </a:schemeClr>
+                          </a:solidFill>
+                          <a:effectLst/>
+                        </a:rPr>
+                        <a:t> </a:t>
+                      </a:r>
+                      <a:r>
+                        <a:rPr lang="en-US" baseline="0" dirty="0" err="1" smtClean="0">
+                          <a:solidFill>
+                            <a:schemeClr val="accent2">
+                              <a:lumMod val="50000"/>
+                            </a:schemeClr>
+                          </a:solidFill>
+                          <a:effectLst/>
+                        </a:rPr>
+                        <a:t>hệ</a:t>
+                      </a:r>
+                      <a:r>
+                        <a:rPr lang="en-US" baseline="0" dirty="0" smtClean="0">
+                          <a:solidFill>
+                            <a:schemeClr val="accent2">
+                              <a:lumMod val="50000"/>
+                            </a:schemeClr>
+                          </a:solidFill>
+                          <a:effectLst/>
+                        </a:rPr>
+                        <a:t> </a:t>
+                      </a:r>
+                      <a:r>
+                        <a:rPr lang="en-US" baseline="0" dirty="0" err="1" smtClean="0">
+                          <a:solidFill>
+                            <a:schemeClr val="accent2">
+                              <a:lumMod val="50000"/>
+                            </a:schemeClr>
+                          </a:solidFill>
+                          <a:effectLst/>
+                        </a:rPr>
+                        <a:t>số</a:t>
+                      </a:r>
+                      <a:r>
+                        <a:rPr lang="en-US" baseline="0" dirty="0" smtClean="0">
+                          <a:solidFill>
+                            <a:schemeClr val="accent2">
+                              <a:lumMod val="50000"/>
+                            </a:schemeClr>
+                          </a:solidFill>
+                          <a:effectLst/>
+                        </a:rPr>
+                        <a:t> </a:t>
+                      </a:r>
+                      <a:r>
+                        <a:rPr lang="en-US" baseline="0" dirty="0" err="1" smtClean="0">
+                          <a:solidFill>
+                            <a:schemeClr val="accent2">
+                              <a:lumMod val="50000"/>
+                            </a:schemeClr>
+                          </a:solidFill>
+                          <a:effectLst/>
+                        </a:rPr>
+                        <a:t>nhân</a:t>
+                      </a:r>
+                      <a:r>
+                        <a:rPr lang="en-US" baseline="0" dirty="0" smtClean="0">
+                          <a:solidFill>
+                            <a:schemeClr val="accent2">
+                              <a:lumMod val="50000"/>
+                            </a:schemeClr>
+                          </a:solidFill>
+                          <a:effectLst/>
+                        </a:rPr>
+                        <a:t> </a:t>
+                      </a:r>
+                      <a:r>
+                        <a:rPr lang="en-US" baseline="0" dirty="0" err="1" smtClean="0">
+                          <a:solidFill>
+                            <a:schemeClr val="accent2">
+                              <a:lumMod val="50000"/>
+                            </a:schemeClr>
+                          </a:solidFill>
+                          <a:effectLst/>
+                        </a:rPr>
+                        <a:t>rộng</a:t>
+                      </a:r>
+                      <a:r>
+                        <a:rPr lang="en-US" baseline="0" dirty="0" smtClean="0">
+                          <a:solidFill>
+                            <a:schemeClr val="accent2">
+                              <a:lumMod val="50000"/>
+                            </a:schemeClr>
+                          </a:solidFill>
+                          <a:effectLst/>
+                        </a:rPr>
+                        <a:t> </a:t>
+                      </a:r>
+                      <a:r>
+                        <a:rPr lang="en-US" baseline="0" dirty="0" err="1" smtClean="0">
+                          <a:solidFill>
+                            <a:schemeClr val="accent2">
+                              <a:lumMod val="50000"/>
+                            </a:schemeClr>
+                          </a:solidFill>
+                          <a:effectLst/>
+                        </a:rPr>
+                        <a:t>cho</a:t>
+                      </a:r>
+                      <a:r>
+                        <a:rPr lang="en-US" baseline="0" dirty="0" smtClean="0">
+                          <a:solidFill>
+                            <a:schemeClr val="accent2">
+                              <a:lumMod val="50000"/>
+                            </a:schemeClr>
+                          </a:solidFill>
+                          <a:effectLst/>
+                        </a:rPr>
+                        <a:t> </a:t>
+                      </a:r>
+                      <a:r>
+                        <a:rPr lang="en-US" baseline="0" dirty="0" err="1" smtClean="0">
+                          <a:solidFill>
+                            <a:schemeClr val="accent2">
+                              <a:lumMod val="50000"/>
+                            </a:schemeClr>
+                          </a:solidFill>
+                          <a:effectLst/>
+                        </a:rPr>
+                        <a:t>từng</a:t>
+                      </a:r>
+                      <a:r>
+                        <a:rPr lang="en-US" baseline="0" dirty="0" smtClean="0">
+                          <a:solidFill>
+                            <a:schemeClr val="accent2">
+                              <a:lumMod val="50000"/>
+                            </a:schemeClr>
+                          </a:solidFill>
+                          <a:effectLst/>
+                        </a:rPr>
+                        <a:t> data-center </a:t>
+                      </a:r>
+                      <a:r>
+                        <a:rPr lang="en-US" baseline="0" dirty="0" err="1" smtClean="0">
+                          <a:solidFill>
+                            <a:schemeClr val="accent2">
+                              <a:lumMod val="50000"/>
+                            </a:schemeClr>
+                          </a:solidFill>
+                          <a:effectLst/>
+                        </a:rPr>
+                        <a:t>một</a:t>
+                      </a:r>
+                      <a:r>
+                        <a:rPr lang="en-US" baseline="0" dirty="0" smtClean="0">
+                          <a:solidFill>
+                            <a:schemeClr val="accent2">
+                              <a:lumMod val="50000"/>
+                            </a:schemeClr>
+                          </a:solidFill>
+                          <a:effectLst/>
+                        </a:rPr>
+                        <a:t> </a:t>
+                      </a:r>
+                      <a:r>
+                        <a:rPr lang="en-US" baseline="0" dirty="0" err="1" smtClean="0">
+                          <a:solidFill>
+                            <a:schemeClr val="accent2">
+                              <a:lumMod val="50000"/>
+                            </a:schemeClr>
+                          </a:solidFill>
+                          <a:effectLst/>
+                        </a:rPr>
+                        <a:t>cách</a:t>
+                      </a:r>
+                      <a:r>
+                        <a:rPr lang="en-US" baseline="0" dirty="0" smtClean="0">
+                          <a:solidFill>
+                            <a:schemeClr val="accent2">
+                              <a:lumMod val="50000"/>
+                            </a:schemeClr>
+                          </a:solidFill>
+                          <a:effectLst/>
+                        </a:rPr>
+                        <a:t> </a:t>
+                      </a:r>
+                      <a:r>
+                        <a:rPr lang="en-US" baseline="0" dirty="0" err="1" smtClean="0">
+                          <a:solidFill>
+                            <a:schemeClr val="accent2">
+                              <a:lumMod val="50000"/>
+                            </a:schemeClr>
+                          </a:solidFill>
+                          <a:effectLst/>
+                        </a:rPr>
+                        <a:t>độc</a:t>
+                      </a:r>
+                      <a:r>
+                        <a:rPr lang="en-US" baseline="0" dirty="0" smtClean="0">
+                          <a:solidFill>
+                            <a:schemeClr val="accent2">
+                              <a:lumMod val="50000"/>
+                            </a:schemeClr>
+                          </a:solidFill>
+                          <a:effectLst/>
+                        </a:rPr>
+                        <a:t> </a:t>
+                      </a:r>
+                      <a:r>
+                        <a:rPr lang="en-US" baseline="0" dirty="0" err="1" smtClean="0">
+                          <a:solidFill>
+                            <a:schemeClr val="accent2">
+                              <a:lumMod val="50000"/>
+                            </a:schemeClr>
+                          </a:solidFill>
+                          <a:effectLst/>
+                        </a:rPr>
+                        <a:t>lập</a:t>
+                      </a:r>
+                      <a:endParaRPr lang="en-US" dirty="0">
+                        <a:solidFill>
+                          <a:schemeClr val="accent2">
+                            <a:lumMod val="50000"/>
+                          </a:schemeClr>
+                        </a:solidFill>
+                        <a:effectLst/>
+                      </a:endParaRPr>
                     </a:p>
                   </a:txBody>
                   <a:tcPr marL="76200" marR="76200" marT="76200" marB="76200">
@@ -33474,7 +33830,7 @@
                     <a:p>
                       <a:pPr fontAlgn="t"/>
                       <a:r>
-                        <a:rPr lang="en-US" sz="1200">
+                        <a:rPr lang="en-US" sz="1200" dirty="0" err="1">
                           <a:solidFill>
                             <a:schemeClr val="accent2">
                               <a:lumMod val="50000"/>
@@ -33484,6 +33840,14 @@
                         </a:rPr>
                         <a:t>int</a:t>
                       </a:r>
+                      <a:endParaRPr lang="en-US" sz="1200" dirty="0">
+                        <a:solidFill>
+                          <a:schemeClr val="accent2">
+                            <a:lumMod val="50000"/>
+                          </a:schemeClr>
+                        </a:solidFill>
+                        <a:effectLst/>
+                      </a:endParaRPr>
                     </a:p>
                   </a:txBody>
                   <a:tcPr marL="27820" marR="27820" marT="27820" marB="27820">
@@ -37638,20 +38002,599 @@
             </a:pPr>
             <a:r>
               <a:rPr lang="en-US" sz="3000" b="1" dirty="0" smtClean="0"/>
-              <a:t>What is Cassandra?</a:t>
-            </a:r>
+              <a:t>Cassandra </a:t>
+            </a:r>
+            <a:r>
+              <a:rPr lang="en-US" sz="3000" b="1" dirty="0" err="1" smtClean="0"/>
+              <a:t>là</a:t>
+            </a:r>
+            <a:r>
+              <a:rPr lang="en-US" sz="3000" b="1" dirty="0" smtClean="0"/>
+              <a:t> </a:t>
+            </a:r>
+            <a:r>
+              <a:rPr lang="en-US" sz="3000" b="1" dirty="0" err="1" smtClean="0"/>
+              <a:t>gì</a:t>
+            </a:r>
+            <a:r>
+              <a:rPr lang="en-US" sz="3000" b="1" dirty="0" smtClean="0"/>
+              <a:t>?</a:t>
+            </a:r>
+          </a:p>
+          <a:p>
+            <a:pPr marL="0" lvl="0" indent="0" algn="ctr" rtl="0">
+              <a:spcBef>
+                <a:spcPts val="0"/>
+              </a:spcBef>
+              <a:spcAft>
+                <a:spcPts val="0"/>
+              </a:spcAft>
+              <a:buNone/>
+            </a:pPr>
+            <a:endParaRPr lang="en-US" sz="3000" b="1" dirty="0" smtClean="0"/>
           </a:p>
           <a:p>
             <a:pPr marL="0" lvl="0" indent="0" algn="ctr">
               <a:buNone/>
             </a:pPr>
             <a:r>
+              <a:rPr lang="en-US" sz="2000" dirty="0" smtClean="0"/>
+              <a:t>Cassandra </a:t>
+            </a:r>
+            <a:r>
+              <a:rPr lang="en-US" sz="2000" dirty="0" err="1" smtClean="0"/>
+              <a:t>là</a:t>
+            </a:r>
+            <a:r>
+              <a:rPr lang="en-US" sz="2000" dirty="0" smtClean="0"/>
+              <a:t> </a:t>
+            </a:r>
+            <a:r>
+              <a:rPr lang="en-US" sz="2000" dirty="0" err="1" smtClean="0"/>
+              <a:t>một</a:t>
+            </a:r>
+            <a:r>
+              <a:rPr lang="en-US" sz="2000" dirty="0" smtClean="0"/>
+              <a:t> </a:t>
+            </a:r>
+            <a:r>
+              <a:rPr lang="en-US" sz="2000" dirty="0" err="1" smtClean="0"/>
+              <a:t>cơ</a:t>
+            </a:r>
+            <a:r>
+              <a:rPr lang="en-US" sz="2000" dirty="0" smtClean="0"/>
+              <a:t> </a:t>
+            </a:r>
+            <a:r>
+              <a:rPr lang="en-US" sz="2000" dirty="0" err="1" smtClean="0"/>
+              <a:t>sở</a:t>
+            </a:r>
+            <a:r>
+              <a:rPr lang="en-US" sz="2000" dirty="0" smtClean="0"/>
+              <a:t> </a:t>
+            </a:r>
+            <a:r>
+              <a:rPr lang="en-US" sz="2000" b="1" dirty="0" err="1" smtClean="0"/>
+              <a:t>dữ</a:t>
+            </a:r>
+            <a:r>
+              <a:rPr lang="en-US" sz="2000" b="1" dirty="0" smtClean="0"/>
+              <a:t> </a:t>
+            </a:r>
+            <a:r>
+              <a:rPr lang="en-US" sz="2000" b="1" dirty="0" err="1" smtClean="0"/>
+              <a:t>liệu</a:t>
+            </a:r>
+            <a:r>
+              <a:rPr lang="en-US" sz="2000" b="1" dirty="0" smtClean="0"/>
+              <a:t> </a:t>
+            </a:r>
+            <a:r>
+              <a:rPr lang="en-US" sz="2000" b="1" dirty="0" err="1" smtClean="0"/>
+              <a:t>phân</a:t>
+            </a:r>
+            <a:r>
+              <a:rPr lang="en-US" sz="2000" b="1" dirty="0" smtClean="0"/>
+              <a:t> </a:t>
+            </a:r>
+            <a:r>
+              <a:rPr lang="en-US" sz="2000" b="1" dirty="0" err="1" smtClean="0"/>
+              <a:t>tán</a:t>
+            </a:r>
+            <a:r>
+              <a:rPr lang="en-US" sz="2000" dirty="0" smtClean="0"/>
+              <a:t>, </a:t>
+            </a:r>
+            <a:r>
+              <a:rPr lang="en-US" sz="2000" b="1" dirty="0" err="1" smtClean="0"/>
+              <a:t>mã</a:t>
+            </a:r>
+            <a:r>
+              <a:rPr lang="en-US" sz="2000" b="1" dirty="0" smtClean="0"/>
+              <a:t> </a:t>
+            </a:r>
+            <a:r>
+              <a:rPr lang="en-US" sz="2000" b="1" dirty="0" err="1" smtClean="0"/>
+              <a:t>nguồn</a:t>
+            </a:r>
+            <a:r>
+              <a:rPr lang="en-US" sz="2000" b="1" dirty="0" smtClean="0"/>
+              <a:t> </a:t>
+            </a:r>
+            <a:r>
+              <a:rPr lang="en-US" sz="2000" b="1" dirty="0" err="1" smtClean="0"/>
+              <a:t>mở</a:t>
+            </a:r>
+            <a:r>
+              <a:rPr lang="en-US" sz="2000" dirty="0" smtClean="0"/>
+              <a:t>, </a:t>
+            </a:r>
+            <a:r>
+              <a:rPr lang="en-US" sz="2000" b="1" dirty="0" smtClean="0"/>
+              <a:t>NoSQL</a:t>
+            </a:r>
+            <a:r>
+              <a:rPr lang="en-US" sz="2000" dirty="0" smtClean="0"/>
+              <a:t> </a:t>
+            </a:r>
+            <a:r>
+              <a:rPr lang="en-US" sz="2000" dirty="0" err="1" smtClean="0"/>
+              <a:t>được</a:t>
+            </a:r>
+            <a:r>
+              <a:rPr lang="en-US" sz="2000" dirty="0" smtClean="0"/>
+              <a:t> </a:t>
+            </a:r>
+            <a:r>
+              <a:rPr lang="en-US" sz="2000" dirty="0" err="1" smtClean="0"/>
+              <a:t>sử</a:t>
+            </a:r>
+            <a:r>
+              <a:rPr lang="en-US" sz="2000" dirty="0" smtClean="0"/>
+              <a:t> </a:t>
+            </a:r>
+            <a:r>
+              <a:rPr lang="en-US" sz="2000" dirty="0" err="1" smtClean="0"/>
+              <a:t>dụng</a:t>
+            </a:r>
+            <a:r>
+              <a:rPr lang="en-US" sz="2000" dirty="0" smtClean="0"/>
+              <a:t> </a:t>
+            </a:r>
+            <a:r>
+              <a:rPr lang="en-US" sz="2000" dirty="0" err="1" smtClean="0"/>
+              <a:t>phổ</a:t>
+            </a:r>
+            <a:r>
+              <a:rPr lang="en-US" sz="2000" dirty="0" smtClean="0"/>
+              <a:t> </a:t>
+            </a:r>
+            <a:r>
+              <a:rPr lang="en-US" sz="2000" dirty="0" err="1" smtClean="0"/>
+              <a:t>biến</a:t>
+            </a:r>
+            <a:r>
+              <a:rPr lang="en-US" sz="2000" dirty="0" smtClean="0"/>
+              <a:t> </a:t>
+            </a:r>
+            <a:r>
+              <a:rPr lang="en-US" sz="2000" dirty="0" err="1" smtClean="0"/>
+              <a:t>vì</a:t>
+            </a:r>
+            <a:r>
+              <a:rPr lang="en-US" sz="2000" dirty="0" smtClean="0"/>
+              <a:t> </a:t>
+            </a:r>
+            <a:r>
+              <a:rPr lang="en-US" sz="2000" b="1" dirty="0" err="1" smtClean="0"/>
+              <a:t>khả</a:t>
+            </a:r>
+            <a:r>
+              <a:rPr lang="en-US" sz="2000" b="1" dirty="0" smtClean="0"/>
+              <a:t> </a:t>
+            </a:r>
+            <a:r>
+              <a:rPr lang="en-US" sz="2000" b="1" dirty="0" err="1" smtClean="0"/>
+              <a:t>năng</a:t>
+            </a:r>
+            <a:r>
+              <a:rPr lang="en-US" sz="2000" b="1" dirty="0" smtClean="0"/>
+              <a:t> </a:t>
+            </a:r>
+            <a:r>
+              <a:rPr lang="en-US" sz="2000" b="1" dirty="0" err="1" smtClean="0"/>
+              <a:t>mở</a:t>
+            </a:r>
+            <a:r>
+              <a:rPr lang="en-US" sz="2000" b="1" dirty="0" smtClean="0"/>
+              <a:t> </a:t>
+            </a:r>
+            <a:r>
+              <a:rPr lang="en-US" sz="2000" b="1" dirty="0" err="1" smtClean="0"/>
+              <a:t>rộng</a:t>
+            </a:r>
+            <a:r>
+              <a:rPr lang="en-US" sz="2000" dirty="0" smtClean="0"/>
+              <a:t>, </a:t>
+            </a:r>
+            <a:r>
+              <a:rPr lang="en-US" sz="2000" b="1" dirty="0" err="1" smtClean="0"/>
+              <a:t>tính</a:t>
+            </a:r>
+            <a:r>
+              <a:rPr lang="en-US" sz="2000" b="1" dirty="0" smtClean="0"/>
+              <a:t> </a:t>
+            </a:r>
+            <a:r>
+              <a:rPr lang="en-US" sz="2000" b="1" dirty="0" err="1" smtClean="0"/>
+              <a:t>sẵn</a:t>
+            </a:r>
+            <a:r>
+              <a:rPr lang="en-US" sz="2000" b="1" dirty="0" smtClean="0"/>
+              <a:t> </a:t>
+            </a:r>
+            <a:r>
+              <a:rPr lang="en-US" sz="2000" b="1" dirty="0" err="1" smtClean="0"/>
+              <a:t>sàng</a:t>
+            </a:r>
+            <a:r>
+              <a:rPr lang="en-US" sz="2000" b="1" dirty="0" smtClean="0"/>
+              <a:t> </a:t>
+            </a:r>
+            <a:r>
+              <a:rPr lang="en-US" sz="2000" dirty="0" err="1" smtClean="0"/>
+              <a:t>cao</a:t>
+            </a:r>
+            <a:r>
+              <a:rPr lang="en-US" sz="2000" dirty="0" smtClean="0"/>
+              <a:t> </a:t>
+            </a:r>
+            <a:r>
+              <a:rPr lang="en-US" sz="2000" dirty="0" err="1" smtClean="0"/>
+              <a:t>mà</a:t>
+            </a:r>
+            <a:r>
+              <a:rPr lang="en-US" sz="2000" dirty="0" smtClean="0"/>
+              <a:t> </a:t>
+            </a:r>
+            <a:r>
+              <a:rPr lang="en-US" sz="2000" dirty="0" err="1" smtClean="0"/>
+              <a:t>không</a:t>
+            </a:r>
+            <a:r>
+              <a:rPr lang="en-US" sz="2000" dirty="0" smtClean="0"/>
+              <a:t> </a:t>
+            </a:r>
+            <a:r>
+              <a:rPr lang="en-US" sz="2000" dirty="0" err="1" smtClean="0"/>
+              <a:t>ảnh</a:t>
+            </a:r>
+            <a:r>
+              <a:rPr lang="en-US" sz="2000" dirty="0" smtClean="0"/>
+              <a:t> </a:t>
+            </a:r>
+            <a:r>
+              <a:rPr lang="en-US" sz="2000" dirty="0" err="1" smtClean="0"/>
+              <a:t>hưởng</a:t>
+            </a:r>
+            <a:r>
+              <a:rPr lang="en-US" sz="2000" dirty="0" smtClean="0"/>
+              <a:t> </a:t>
+            </a:r>
+            <a:r>
+              <a:rPr lang="en-US" sz="2000" dirty="0" err="1" smtClean="0"/>
+              <a:t>tới</a:t>
+            </a:r>
+            <a:r>
+              <a:rPr lang="en-US" sz="2000" dirty="0" smtClean="0"/>
+              <a:t> </a:t>
+            </a:r>
+            <a:r>
+              <a:rPr lang="en-US" sz="2000" dirty="0" err="1" smtClean="0"/>
+              <a:t>hiệu</a:t>
+            </a:r>
+            <a:r>
+              <a:rPr lang="en-US" sz="2000" dirty="0" smtClean="0"/>
+              <a:t> </a:t>
+            </a:r>
+            <a:r>
+              <a:rPr lang="en-US" sz="2000" dirty="0" err="1" smtClean="0"/>
+              <a:t>suất</a:t>
+            </a:r>
+            <a:r>
+              <a:rPr lang="en-US" sz="2000" dirty="0" smtClean="0"/>
+              <a:t>.</a:t>
+            </a:r>
+          </a:p>
+          <a:p>
+            <a:pPr marL="0" lvl="0" indent="0" algn="ctr">
+              <a:buNone/>
+            </a:pPr>
+            <a:endParaRPr lang="en-US" sz="2000" dirty="0" smtClean="0"/>
+          </a:p>
+          <a:p>
+            <a:pPr marL="0" lvl="0" indent="0" algn="ctr">
+              <a:buNone/>
+            </a:pPr>
+            <a:r>
+              <a:rPr lang="en-US" sz="2000" dirty="0" err="1" smtClean="0"/>
+              <a:t>Khả</a:t>
+            </a:r>
+            <a:r>
+              <a:rPr lang="en-US" sz="2000" dirty="0" smtClean="0"/>
+              <a:t> </a:t>
+            </a:r>
+            <a:r>
+              <a:rPr lang="en-US" sz="2000" dirty="0" err="1" smtClean="0"/>
+              <a:t>năng</a:t>
+            </a:r>
+            <a:r>
+              <a:rPr lang="en-US" sz="2000" dirty="0" smtClean="0"/>
+              <a:t> </a:t>
+            </a:r>
+            <a:r>
+              <a:rPr lang="en-US" sz="2000" dirty="0" err="1" smtClean="0"/>
+              <a:t>mở</a:t>
+            </a:r>
+            <a:r>
+              <a:rPr lang="en-US" sz="2000" dirty="0" smtClean="0"/>
+              <a:t> </a:t>
+            </a:r>
+            <a:r>
+              <a:rPr lang="en-US" sz="2000" dirty="0" err="1" smtClean="0"/>
+              <a:t>rộng</a:t>
+            </a:r>
+            <a:r>
+              <a:rPr lang="en-US" sz="2000" dirty="0" smtClean="0"/>
+              <a:t> </a:t>
+            </a:r>
+            <a:r>
+              <a:rPr lang="en-US" sz="2000" dirty="0" err="1" smtClean="0"/>
+              <a:t>tuyến</a:t>
+            </a:r>
+            <a:r>
+              <a:rPr lang="en-US" sz="2000" dirty="0" smtClean="0"/>
+              <a:t> </a:t>
+            </a:r>
+            <a:r>
+              <a:rPr lang="en-US" sz="2000" dirty="0" err="1" smtClean="0"/>
+              <a:t>tính</a:t>
+            </a:r>
+            <a:r>
+              <a:rPr lang="en-US" sz="2000" dirty="0" smtClean="0"/>
+              <a:t> </a:t>
+            </a:r>
+            <a:r>
+              <a:rPr lang="en-US" sz="2000" dirty="0" err="1" smtClean="0"/>
+              <a:t>và</a:t>
+            </a:r>
+            <a:r>
+              <a:rPr lang="en-US" sz="2000" dirty="0" smtClean="0"/>
+              <a:t> </a:t>
+            </a:r>
+            <a:r>
+              <a:rPr lang="en-US" sz="2000" dirty="0" err="1" smtClean="0"/>
+              <a:t>khả</a:t>
+            </a:r>
+            <a:r>
+              <a:rPr lang="en-US" sz="2000" dirty="0" smtClean="0"/>
+              <a:t> </a:t>
+            </a:r>
+            <a:r>
+              <a:rPr lang="en-US" sz="2000" dirty="0" err="1" smtClean="0"/>
+              <a:t>năng</a:t>
+            </a:r>
+            <a:r>
+              <a:rPr lang="en-US" sz="2000" dirty="0" smtClean="0"/>
+              <a:t> </a:t>
+            </a:r>
+            <a:r>
+              <a:rPr lang="en-US" sz="2000" dirty="0" err="1" smtClean="0"/>
+              <a:t>chịu</a:t>
+            </a:r>
+            <a:r>
+              <a:rPr lang="en-US" sz="2000" dirty="0" smtClean="0"/>
+              <a:t> </a:t>
+            </a:r>
+            <a:r>
+              <a:rPr lang="en-US" sz="2000" dirty="0" err="1" smtClean="0"/>
+              <a:t>lỗi</a:t>
+            </a:r>
+            <a:r>
+              <a:rPr lang="en-US" sz="2000" dirty="0" smtClean="0"/>
+              <a:t> </a:t>
+            </a:r>
+            <a:r>
+              <a:rPr lang="en-US" sz="2000" dirty="0" err="1" smtClean="0"/>
+              <a:t>đã</a:t>
+            </a:r>
+            <a:r>
+              <a:rPr lang="en-US" sz="2000" dirty="0" smtClean="0"/>
+              <a:t> </a:t>
+            </a:r>
+            <a:r>
+              <a:rPr lang="en-US" sz="2000" dirty="0" err="1" smtClean="0"/>
+              <a:t>được</a:t>
+            </a:r>
+            <a:r>
+              <a:rPr lang="en-US" sz="2000" dirty="0" smtClean="0"/>
+              <a:t> </a:t>
+            </a:r>
+            <a:r>
+              <a:rPr lang="en-US" sz="2000" dirty="0" err="1" smtClean="0"/>
+              <a:t>chứng</a:t>
+            </a:r>
+            <a:r>
+              <a:rPr lang="en-US" sz="2000" dirty="0" smtClean="0"/>
+              <a:t> minh </a:t>
+            </a:r>
+            <a:r>
+              <a:rPr lang="en-US" sz="2000" dirty="0" err="1" smtClean="0"/>
+              <a:t>trên</a:t>
+            </a:r>
+            <a:r>
+              <a:rPr lang="en-US" sz="2000" dirty="0" smtClean="0"/>
+              <a:t> </a:t>
+            </a:r>
+            <a:r>
+              <a:rPr lang="en-US" sz="2000" dirty="0" err="1" smtClean="0"/>
+              <a:t>các</a:t>
+            </a:r>
+            <a:r>
+              <a:rPr lang="en-US" sz="2000" dirty="0" smtClean="0"/>
+              <a:t> server </a:t>
+            </a:r>
+            <a:r>
+              <a:rPr lang="en-US" sz="2000" dirty="0" err="1" smtClean="0"/>
+              <a:t>vật</a:t>
+            </a:r>
+            <a:r>
+              <a:rPr lang="en-US" sz="2000" dirty="0" smtClean="0"/>
+              <a:t> </a:t>
+            </a:r>
+            <a:r>
+              <a:rPr lang="en-US" sz="2000" dirty="0" err="1" smtClean="0"/>
+              <a:t>lý</a:t>
+            </a:r>
+            <a:r>
+              <a:rPr lang="en-US" sz="2000" dirty="0" smtClean="0"/>
+              <a:t> </a:t>
+            </a:r>
+            <a:r>
+              <a:rPr lang="en-US" sz="2000" dirty="0" err="1" smtClean="0"/>
+              <a:t>hoặc</a:t>
+            </a:r>
+            <a:r>
+              <a:rPr lang="en-US" sz="2000" dirty="0" smtClean="0"/>
+              <a:t> cloud </a:t>
+            </a:r>
+            <a:r>
+              <a:rPr lang="en-US" sz="2000" dirty="0" err="1" smtClean="0"/>
+              <a:t>giúp</a:t>
+            </a:r>
+            <a:r>
+              <a:rPr lang="en-US" sz="2000" dirty="0" smtClean="0"/>
+              <a:t> </a:t>
+            </a:r>
+            <a:r>
+              <a:rPr lang="en-US" sz="2000" dirty="0" err="1" smtClean="0"/>
+              <a:t>Cassadra</a:t>
+            </a:r>
+            <a:r>
+              <a:rPr lang="en-US" sz="2000" dirty="0" smtClean="0"/>
+              <a:t> </a:t>
+            </a:r>
+            <a:r>
+              <a:rPr lang="en-US" sz="2000" dirty="0" err="1" smtClean="0"/>
+              <a:t>trở</a:t>
+            </a:r>
+            <a:r>
+              <a:rPr lang="en-US" sz="2000" dirty="0" smtClean="0"/>
+              <a:t> </a:t>
+            </a:r>
+            <a:r>
+              <a:rPr lang="en-US" sz="2000" dirty="0" err="1" smtClean="0"/>
+              <a:t>thành</a:t>
+            </a:r>
+            <a:r>
+              <a:rPr lang="en-US" sz="2000" dirty="0" smtClean="0"/>
+              <a:t> </a:t>
+            </a:r>
+            <a:r>
+              <a:rPr lang="en-US" sz="2000" dirty="0" err="1" smtClean="0"/>
+              <a:t>giải</a:t>
+            </a:r>
+            <a:r>
+              <a:rPr lang="en-US" sz="2000" dirty="0" smtClean="0"/>
+              <a:t> </a:t>
+            </a:r>
+            <a:r>
+              <a:rPr lang="en-US" sz="2000" dirty="0" err="1" smtClean="0"/>
+              <a:t>pháp</a:t>
+            </a:r>
+            <a:r>
+              <a:rPr lang="en-US" sz="2000" dirty="0" smtClean="0"/>
+              <a:t> </a:t>
+            </a:r>
+            <a:r>
+              <a:rPr lang="en-US" sz="2000" dirty="0" err="1" smtClean="0"/>
+              <a:t>hoàn</a:t>
+            </a:r>
+            <a:r>
+              <a:rPr lang="en-US" sz="2000" dirty="0" smtClean="0"/>
+              <a:t> </a:t>
+            </a:r>
+            <a:r>
+              <a:rPr lang="en-US" sz="2000" dirty="0" err="1" smtClean="0"/>
+              <a:t>hoản</a:t>
+            </a:r>
+            <a:r>
+              <a:rPr lang="en-US" sz="2000" dirty="0" smtClean="0"/>
+              <a:t> </a:t>
+            </a:r>
+            <a:r>
+              <a:rPr lang="en-US" sz="2000" dirty="0" err="1" smtClean="0"/>
+              <a:t>cho</a:t>
+            </a:r>
+            <a:r>
+              <a:rPr lang="en-US" sz="2000" dirty="0" smtClean="0"/>
+              <a:t> </a:t>
+            </a:r>
+            <a:r>
+              <a:rPr lang="en-US" sz="2000" dirty="0" err="1" smtClean="0"/>
+              <a:t>việc</a:t>
+            </a:r>
+            <a:r>
+              <a:rPr lang="en-US" sz="2000" dirty="0" smtClean="0"/>
+              <a:t> </a:t>
+            </a:r>
+            <a:r>
+              <a:rPr lang="en-US" sz="2000" dirty="0" err="1" smtClean="0"/>
+              <a:t>lưu</a:t>
+            </a:r>
+            <a:r>
+              <a:rPr lang="en-US" sz="2000" dirty="0" smtClean="0"/>
+              <a:t> </a:t>
+            </a:r>
+            <a:r>
+              <a:rPr lang="en-US" sz="2000" dirty="0" err="1" smtClean="0"/>
+              <a:t>trữ</a:t>
+            </a:r>
+            <a:r>
+              <a:rPr lang="en-US" sz="2000" dirty="0" smtClean="0"/>
+              <a:t> </a:t>
+            </a:r>
+            <a:r>
+              <a:rPr lang="en-US" sz="2000" dirty="0" err="1" smtClean="0"/>
+              <a:t>dữ</a:t>
+            </a:r>
+            <a:r>
+              <a:rPr lang="en-US" sz="2000" dirty="0" smtClean="0"/>
+              <a:t> </a:t>
+            </a:r>
+            <a:r>
+              <a:rPr lang="en-US" sz="2000" dirty="0" err="1" smtClean="0"/>
+              <a:t>liệu</a:t>
+            </a:r>
+            <a:r>
               <a:rPr lang="en-US" sz="2000" dirty="0"/>
-              <a:t>Apache Cassandra is a highly scalable, high-performance distributed database designed to handle large amounts of data across many commodity servers, providing high availability with no single point of failure. It is a type of NoSQL </a:t>
+              <a:t> </a:t>
+            </a:r>
+            <a:r>
+              <a:rPr lang="en-US" sz="2000" dirty="0" err="1" smtClean="0"/>
+              <a:t>quan</a:t>
             </a:r>
             <a:r>
               <a:rPr lang="en-US" sz="2000" dirty="0" smtClean="0"/>
-              <a:t>database.</a:t>
+              <a:t> </a:t>
+            </a:r>
+            <a:r>
+              <a:rPr lang="en-US" sz="2000" dirty="0" err="1" smtClean="0"/>
+              <a:t>trọng</a:t>
+            </a:r>
+            <a:r>
+              <a:rPr lang="en-US" sz="2000" dirty="0" smtClean="0"/>
+              <a:t>.</a:t>
             </a:r>
             <a:endParaRPr sz="2000" dirty="0"/>
           </a:p>
@@ -37669,7 +38612,7 @@
         </p:nvSpPr>
         <p:spPr>
           <a:xfrm>
-            <a:off x="0" y="0"/>
+            <a:off x="126518" y="173420"/>
             <a:ext cx="7717500" cy="346841"/>
           </a:xfrm>
           <a:prstGeom prst="rect">
@@ -37784,20 +38727,662 @@
             </a:pPr>
             <a:r>
               <a:rPr lang="en-US" sz="1600" dirty="0" smtClean="0"/>
-              <a:t>- A </a:t>
+              <a:t>- NoSQL (Not Only SQL) </a:t>
+            </a:r>
+            <a:r>
+              <a:rPr lang="en-US" sz="1600" dirty="0" err="1" smtClean="0"/>
+              <a:t>là</a:t>
+            </a:r>
+            <a:r>
+              <a:rPr lang="en-US" sz="1600" dirty="0" smtClean="0"/>
+              <a:t> </a:t>
+            </a:r>
+            <a:r>
+              <a:rPr lang="en-US" sz="1600" dirty="0" err="1" smtClean="0"/>
+              <a:t>cơ</a:t>
+            </a:r>
+            <a:r>
+              <a:rPr lang="en-US" sz="1600" dirty="0" smtClean="0"/>
+              <a:t> </a:t>
+            </a:r>
+            <a:r>
+              <a:rPr lang="en-US" sz="1600" dirty="0" err="1" smtClean="0"/>
+              <a:t>sở</a:t>
+            </a:r>
+            <a:r>
+              <a:rPr lang="en-US" sz="1600" dirty="0" smtClean="0"/>
+              <a:t> </a:t>
+            </a:r>
+            <a:r>
+              <a:rPr lang="en-US" sz="1600" dirty="0" err="1" smtClean="0"/>
+              <a:t>dữ</a:t>
+            </a:r>
+            <a:r>
+              <a:rPr lang="en-US" sz="1600" dirty="0" smtClean="0"/>
+              <a:t> </a:t>
+            </a:r>
+            <a:r>
+              <a:rPr lang="en-US" sz="1600" dirty="0" err="1" smtClean="0"/>
+              <a:t>liệu</a:t>
+            </a:r>
+            <a:r>
+              <a:rPr lang="en-US" sz="1600" dirty="0" smtClean="0"/>
+              <a:t> </a:t>
+            </a:r>
+            <a:r>
+              <a:rPr lang="en-US" sz="1600" dirty="0" err="1" smtClean="0"/>
+              <a:t>mà</a:t>
+            </a:r>
+            <a:r>
+              <a:rPr lang="en-US" sz="1600" dirty="0" smtClean="0"/>
+              <a:t> </a:t>
+            </a:r>
+            <a:r>
+              <a:rPr lang="en-US" sz="1600" dirty="0" err="1" smtClean="0"/>
+              <a:t>nó</a:t>
+            </a:r>
+            <a:r>
+              <a:rPr lang="en-US" sz="1600" dirty="0" smtClean="0"/>
+              <a:t> </a:t>
+            </a:r>
+            <a:r>
+              <a:rPr lang="en-US" sz="1600" dirty="0" err="1" smtClean="0"/>
+              <a:t>cung</a:t>
+            </a:r>
+            <a:r>
+              <a:rPr lang="en-US" sz="1600" dirty="0" smtClean="0"/>
+              <a:t> </a:t>
+            </a:r>
+            <a:r>
+              <a:rPr lang="en-US" sz="1600" dirty="0" err="1" smtClean="0"/>
+              <a:t>cấp</a:t>
+            </a:r>
+            <a:r>
+              <a:rPr lang="en-US" sz="1600" dirty="0" smtClean="0"/>
+              <a:t> </a:t>
+            </a:r>
+            <a:r>
+              <a:rPr lang="en-US" sz="1600" dirty="0" err="1" smtClean="0"/>
+              <a:t>cơ</a:t>
+            </a:r>
+            <a:r>
+              <a:rPr lang="en-US" sz="1600" dirty="0" smtClean="0"/>
+              <a:t> </a:t>
+            </a:r>
+            <a:r>
+              <a:rPr lang="en-US" sz="1600" dirty="0" err="1" smtClean="0"/>
+              <a:t>chế</a:t>
+            </a:r>
+            <a:r>
+              <a:rPr lang="en-US" sz="1600" dirty="0" smtClean="0"/>
+              <a:t> </a:t>
+            </a:r>
+            <a:r>
+              <a:rPr lang="en-US" sz="1600" dirty="0" err="1" smtClean="0"/>
+              <a:t>lưu</a:t>
+            </a:r>
+            <a:r>
+              <a:rPr lang="en-US" sz="1600" dirty="0" smtClean="0"/>
+              <a:t> </a:t>
+            </a:r>
+            <a:r>
+              <a:rPr lang="en-US" sz="1600" dirty="0" err="1" smtClean="0"/>
+              <a:t>trữ</a:t>
+            </a:r>
+            <a:r>
+              <a:rPr lang="en-US" sz="1600" dirty="0" smtClean="0"/>
+              <a:t> </a:t>
+            </a:r>
+            <a:r>
+              <a:rPr lang="en-US" sz="1600" dirty="0" err="1" smtClean="0"/>
+              <a:t>dữ</a:t>
+            </a:r>
+            <a:r>
+              <a:rPr lang="en-US" sz="1600" dirty="0" smtClean="0"/>
+              <a:t> </a:t>
+            </a:r>
+            <a:r>
+              <a:rPr lang="en-US" sz="1600" dirty="0" err="1" smtClean="0"/>
+              <a:t>liệu</a:t>
+            </a:r>
+            <a:r>
+              <a:rPr lang="en-US" sz="1600" dirty="0" smtClean="0"/>
+              <a:t> </a:t>
+            </a:r>
+            <a:r>
+              <a:rPr lang="en-US" sz="1600" dirty="0" err="1" smtClean="0"/>
+              <a:t>và</a:t>
+            </a:r>
+            <a:r>
+              <a:rPr lang="en-US" sz="1600" dirty="0" smtClean="0"/>
+              <a:t> </a:t>
+            </a:r>
+            <a:r>
+              <a:rPr lang="en-US" sz="1600" dirty="0" err="1" smtClean="0"/>
+              <a:t>truy</a:t>
+            </a:r>
+            <a:r>
+              <a:rPr lang="en-US" sz="1600" dirty="0" smtClean="0"/>
+              <a:t> </a:t>
+            </a:r>
+            <a:r>
+              <a:rPr lang="en-US" sz="1600" dirty="0" err="1" smtClean="0"/>
+              <a:t>xuất</a:t>
+            </a:r>
+            <a:r>
+              <a:rPr lang="en-US" sz="1600" dirty="0" smtClean="0"/>
+              <a:t> </a:t>
+            </a:r>
+            <a:r>
+              <a:rPr lang="en-US" sz="1600" dirty="0" err="1" smtClean="0"/>
+              <a:t>khác</a:t>
+            </a:r>
+            <a:r>
+              <a:rPr lang="en-US" sz="1600" dirty="0" smtClean="0"/>
+              <a:t> </a:t>
+            </a:r>
+            <a:r>
+              <a:rPr lang="en-US" sz="1600" dirty="0" err="1" smtClean="0"/>
+              <a:t>với</a:t>
+            </a:r>
+            <a:r>
+              <a:rPr lang="en-US" sz="1600" dirty="0" smtClean="0"/>
+              <a:t> </a:t>
+            </a:r>
+            <a:r>
+              <a:rPr lang="en-US" sz="1600" dirty="0" err="1" smtClean="0"/>
+              <a:t>quan</a:t>
+            </a:r>
+            <a:r>
+              <a:rPr lang="en-US" sz="1600" dirty="0" smtClean="0"/>
+              <a:t> </a:t>
+            </a:r>
+            <a:r>
+              <a:rPr lang="en-US" sz="1600" dirty="0" err="1" smtClean="0"/>
+              <a:t>hệ</a:t>
+            </a:r>
+            <a:r>
+              <a:rPr lang="en-US" sz="1600" dirty="0" smtClean="0"/>
+              <a:t> </a:t>
+            </a:r>
+            <a:r>
+              <a:rPr lang="en-US" sz="1600" dirty="0" err="1" smtClean="0"/>
+              <a:t>bảng</a:t>
+            </a:r>
+            <a:r>
+              <a:rPr lang="en-US" sz="1600" dirty="0" smtClean="0"/>
+              <a:t> </a:t>
+            </a:r>
+            <a:r>
+              <a:rPr lang="en-US" sz="1600" dirty="0" err="1" smtClean="0"/>
+              <a:t>được</a:t>
+            </a:r>
+            <a:r>
+              <a:rPr lang="en-US" sz="1600" dirty="0" smtClean="0"/>
+              <a:t> </a:t>
+            </a:r>
+            <a:r>
+              <a:rPr lang="en-US" sz="1600" dirty="0" err="1" smtClean="0"/>
+              <a:t>sữ</a:t>
+            </a:r>
+            <a:r>
+              <a:rPr lang="en-US" sz="1600" dirty="0" smtClean="0"/>
+              <a:t> </a:t>
+            </a:r>
+            <a:r>
+              <a:rPr lang="en-US" sz="1600" dirty="0" err="1" smtClean="0"/>
+              <a:t>dụng</a:t>
+            </a:r>
+            <a:r>
+              <a:rPr lang="en-US" sz="1600" dirty="0" smtClean="0"/>
+              <a:t> </a:t>
+            </a:r>
+            <a:r>
+              <a:rPr lang="en-US" sz="1600" dirty="0" err="1" smtClean="0"/>
+              <a:t>trong</a:t>
+            </a:r>
+            <a:r>
+              <a:rPr lang="en-US" sz="1600" dirty="0" smtClean="0"/>
+              <a:t> relational database</a:t>
             </a:r>
             <a:r>
               <a:rPr lang="en-US" sz="1600" dirty="0"/>
-              <a:t>NoSQL database </a:t>
+              <a:t>. </a:t>
             </a:r>
             <a:r>
               <a:rPr lang="en-US" sz="1600" dirty="0" smtClean="0"/>
-              <a:t>(Not </a:t>
+              <a:t>NoSQL </a:t>
+            </a:r>
+            <a:r>
+              <a:rPr lang="en-US" sz="1600" b="1" dirty="0" err="1" smtClean="0"/>
+              <a:t>không</a:t>
+            </a:r>
+            <a:r>
+              <a:rPr lang="en-US" sz="1600" b="1" dirty="0" smtClean="0"/>
+              <a:t> </a:t>
+            </a:r>
+            <a:r>
+              <a:rPr lang="en-US" sz="1600" b="1" dirty="0" err="1" smtClean="0"/>
+              <a:t>có</a:t>
+            </a:r>
+            <a:r>
+              <a:rPr lang="en-US" sz="1600" b="1" dirty="0" smtClean="0"/>
+              <a:t> </a:t>
+            </a:r>
+            <a:r>
+              <a:rPr lang="en-US" sz="1600" b="1" dirty="0" err="1" smtClean="0"/>
+              <a:t>lược</a:t>
+            </a:r>
+            <a:r>
+              <a:rPr lang="en-US" sz="1600" b="1" dirty="0" smtClean="0"/>
+              <a:t> </a:t>
+            </a:r>
+            <a:r>
+              <a:rPr lang="en-US" sz="1600" b="1" dirty="0" err="1" smtClean="0"/>
+              <a:t>đồ</a:t>
+            </a:r>
+            <a:r>
+              <a:rPr lang="en-US" sz="1600" b="1" dirty="0" smtClean="0"/>
+              <a:t> </a:t>
+            </a:r>
+            <a:r>
+              <a:rPr lang="en-US" sz="1600" b="1" dirty="0" err="1" smtClean="0"/>
+              <a:t>quan</a:t>
+            </a:r>
+            <a:r>
+              <a:rPr lang="en-US" sz="1600" b="1" dirty="0" smtClean="0"/>
+              <a:t> </a:t>
+            </a:r>
+            <a:r>
+              <a:rPr lang="en-US" sz="1600" b="1" dirty="0" err="1" smtClean="0"/>
+              <a:t>hệ</a:t>
+            </a:r>
+            <a:r>
+              <a:rPr lang="en-US" sz="1600" dirty="0" smtClean="0"/>
+              <a:t>, </a:t>
+            </a:r>
+            <a:r>
+              <a:rPr lang="en-US" sz="1600" b="1" dirty="0" err="1" smtClean="0"/>
+              <a:t>hỗ</a:t>
+            </a:r>
+            <a:r>
+              <a:rPr lang="en-US" sz="1600" b="1" dirty="0" smtClean="0"/>
+              <a:t> </a:t>
+            </a:r>
+            <a:r>
+              <a:rPr lang="en-US" sz="1600" b="1" dirty="0" err="1" smtClean="0"/>
+              <a:t>trợ</a:t>
+            </a:r>
+            <a:r>
+              <a:rPr lang="en-US" sz="1600" b="1" dirty="0" smtClean="0"/>
+              <a:t> </a:t>
+            </a:r>
+            <a:r>
+              <a:rPr lang="en-US" sz="1600" b="1" dirty="0" err="1" smtClean="0"/>
+              <a:t>sao</a:t>
+            </a:r>
+            <a:r>
+              <a:rPr lang="en-US" sz="1600" b="1" dirty="0" smtClean="0"/>
+              <a:t> </a:t>
+            </a:r>
+            <a:r>
+              <a:rPr lang="en-US" sz="1600" b="1" dirty="0" err="1" smtClean="0"/>
+              <a:t>chép</a:t>
+            </a:r>
+            <a:r>
+              <a:rPr lang="en-US" sz="1600" b="1" dirty="0" smtClean="0"/>
+              <a:t> </a:t>
+            </a:r>
+            <a:r>
+              <a:rPr lang="en-US" sz="1600" b="1" dirty="0" err="1" smtClean="0"/>
+              <a:t>dễ</a:t>
+            </a:r>
+            <a:r>
+              <a:rPr lang="en-US" sz="1600" b="1" dirty="0" smtClean="0"/>
+              <a:t> </a:t>
+            </a:r>
+            <a:r>
+              <a:rPr lang="en-US" sz="1600" b="1" dirty="0" err="1" smtClean="0"/>
+              <a:t>dàng</a:t>
+            </a:r>
+            <a:r>
+              <a:rPr lang="en-US" sz="1600" dirty="0" smtClean="0"/>
+              <a:t>, </a:t>
+            </a:r>
+            <a:r>
+              <a:rPr lang="en-US" sz="1600" b="1" dirty="0" err="1" smtClean="0"/>
+              <a:t>có</a:t>
+            </a:r>
+            <a:r>
+              <a:rPr lang="en-US" sz="1600" b="1" dirty="0" smtClean="0"/>
+              <a:t> API </a:t>
+            </a:r>
+            <a:r>
+              <a:rPr lang="en-US" sz="1600" b="1" dirty="0" err="1" smtClean="0"/>
+              <a:t>đơn</a:t>
+            </a:r>
+            <a:r>
+              <a:rPr lang="en-US" sz="1600" b="1" dirty="0" smtClean="0"/>
+              <a:t> </a:t>
+            </a:r>
+            <a:r>
+              <a:rPr lang="en-US" sz="1600" b="1" dirty="0" err="1" smtClean="0"/>
+              <a:t>giản</a:t>
+            </a:r>
+            <a:r>
+              <a:rPr lang="en-US" sz="1600" dirty="0" smtClean="0"/>
+              <a:t>, </a:t>
+            </a:r>
+            <a:r>
+              <a:rPr lang="en-US" sz="1600" b="1" dirty="0"/>
+              <a:t>eventually </a:t>
+            </a:r>
+            <a:r>
+              <a:rPr lang="en-US" sz="1600" b="1" dirty="0" smtClean="0"/>
+              <a:t>consistent </a:t>
+            </a:r>
+            <a:r>
+              <a:rPr lang="en-US" sz="1600" dirty="0" err="1" smtClean="0"/>
+              <a:t>và</a:t>
+            </a:r>
+            <a:r>
+              <a:rPr lang="en-US" sz="1600" dirty="0" smtClean="0"/>
+              <a:t> </a:t>
+            </a:r>
+            <a:r>
+              <a:rPr lang="en-US" sz="1600" dirty="0" err="1" smtClean="0"/>
+              <a:t>có</a:t>
+            </a:r>
+            <a:r>
+              <a:rPr lang="en-US" sz="1600" dirty="0" smtClean="0"/>
+              <a:t> </a:t>
+            </a:r>
+            <a:r>
+              <a:rPr lang="en-US" sz="1600" dirty="0" err="1" smtClean="0"/>
+              <a:t>thể</a:t>
+            </a:r>
+            <a:r>
+              <a:rPr lang="en-US" sz="1600" dirty="0" smtClean="0"/>
+              <a:t> </a:t>
+            </a:r>
+            <a:r>
+              <a:rPr lang="en-US" sz="1600" b="1" dirty="0" err="1" smtClean="0"/>
+              <a:t>xử</a:t>
+            </a:r>
+            <a:r>
+              <a:rPr lang="en-US" sz="1600" dirty="0" smtClean="0"/>
+              <a:t> </a:t>
+            </a:r>
+            <a:r>
+              <a:rPr lang="en-US" sz="1600" b="1" dirty="0" err="1" smtClean="0"/>
+              <a:t>lý</a:t>
+            </a:r>
+            <a:r>
+              <a:rPr lang="en-US" sz="1600" b="1" dirty="0" smtClean="0"/>
+              <a:t> </a:t>
+            </a:r>
+            <a:r>
+              <a:rPr lang="en-US" sz="1600" b="1" dirty="0" err="1" smtClean="0"/>
+              <a:t>lượng</a:t>
+            </a:r>
+            <a:r>
+              <a:rPr lang="en-US" sz="1600" b="1" dirty="0" smtClean="0"/>
+              <a:t> </a:t>
+            </a:r>
+            <a:r>
+              <a:rPr lang="en-US" sz="1600" b="1" dirty="0" err="1" smtClean="0"/>
+              <a:t>dữ</a:t>
+            </a:r>
+            <a:r>
+              <a:rPr lang="en-US" sz="1600" b="1" dirty="0" smtClean="0"/>
+              <a:t> </a:t>
+            </a:r>
+            <a:r>
+              <a:rPr lang="en-US" sz="1600" b="1" dirty="0" err="1" smtClean="0"/>
+              <a:t>liệu</a:t>
+            </a:r>
+            <a:r>
+              <a:rPr lang="en-US" sz="1600" b="1" dirty="0" smtClean="0"/>
+              <a:t> </a:t>
+            </a:r>
+            <a:r>
+              <a:rPr lang="en-US" sz="1600" b="1" dirty="0" err="1" smtClean="0"/>
+              <a:t>khổng</a:t>
+            </a:r>
+            <a:r>
+              <a:rPr lang="en-US" sz="1600" b="1" dirty="0" smtClean="0"/>
+              <a:t> </a:t>
+            </a:r>
+            <a:r>
+              <a:rPr lang="en-US" sz="1600" b="1" dirty="0" err="1" smtClean="0"/>
+              <a:t>lồ</a:t>
+            </a:r>
+            <a:r>
+              <a:rPr lang="en-US" sz="1600" b="1" dirty="0" smtClean="0"/>
+              <a:t>.</a:t>
+            </a:r>
+          </a:p>
+          <a:p>
+            <a:pPr marL="0" lvl="0" indent="0">
+              <a:buNone/>
+            </a:pPr>
+            <a:endParaRPr lang="en-US" sz="1600" b="1" dirty="0"/>
+          </a:p>
+          <a:p>
+            <a:pPr marL="0" lvl="0" indent="0">
+              <a:buNone/>
+            </a:pPr>
+            <a:r>
+              <a:rPr lang="en-US" sz="1600" dirty="0" smtClean="0"/>
+              <a:t>- The </a:t>
             </a:r>
             <a:r>
               <a:rPr lang="en-US" sz="1600" dirty="0"/>
-              <a:t>Only SQL) is a database that provides a mechanism to store and retrieve data other than the tabular relations used in relational databases. These databases are schema-free, support easy replication, have simple API, eventually consistent, and can handle huge amounts of data.</a:t>
-            </a:r>
+              <a:t>primary objective of a NoSQL database is to </a:t>
+            </a:r>
+            <a:r>
+              <a:rPr lang="en-US" sz="1600" dirty="0" smtClean="0"/>
+              <a:t>have </a:t>
+            </a:r>
+            <a:r>
+              <a:rPr lang="en-US" sz="1600" dirty="0" err="1" smtClean="0"/>
+              <a:t>Một</a:t>
+            </a:r>
+            <a:r>
+              <a:rPr lang="en-US" sz="1600" dirty="0" smtClean="0"/>
+              <a:t> </a:t>
+            </a:r>
+            <a:r>
+              <a:rPr lang="en-US" sz="1600" dirty="0" err="1" smtClean="0"/>
+              <a:t>số</a:t>
+            </a:r>
+            <a:r>
+              <a:rPr lang="en-US" sz="1600" dirty="0" smtClean="0"/>
+              <a:t> </a:t>
+            </a:r>
+            <a:r>
+              <a:rPr lang="en-US" sz="1600" dirty="0" err="1" smtClean="0"/>
+              <a:t>đặc</a:t>
+            </a:r>
+            <a:r>
+              <a:rPr lang="en-US" sz="1600" dirty="0" smtClean="0"/>
+              <a:t> </a:t>
+            </a:r>
+            <a:r>
+              <a:rPr lang="en-US" sz="1600" dirty="0" err="1" smtClean="0"/>
+              <a:t>điểm</a:t>
+            </a:r>
+            <a:r>
+              <a:rPr lang="en-US" sz="1600" dirty="0" smtClean="0"/>
+              <a:t> </a:t>
+            </a:r>
+            <a:r>
+              <a:rPr lang="en-US" sz="1600" dirty="0" err="1" smtClean="0"/>
+              <a:t>của</a:t>
+            </a:r>
+            <a:r>
+              <a:rPr lang="en-US" sz="1600" dirty="0" smtClean="0"/>
+              <a:t> NoSQL</a:t>
+            </a:r>
+            <a:endParaRPr lang="en-US" sz="1600" dirty="0"/>
+          </a:p>
+          <a:p>
+            <a:pPr marL="0" lvl="0" indent="0">
+              <a:buNone/>
+            </a:pPr>
+            <a:r>
+              <a:rPr lang="en-US" sz="1600" dirty="0" smtClean="0"/>
+              <a:t>	+ </a:t>
+            </a:r>
+            <a:r>
+              <a:rPr lang="en-US" sz="1600" dirty="0" err="1" smtClean="0"/>
+              <a:t>Dễ</a:t>
+            </a:r>
+            <a:r>
+              <a:rPr lang="en-US" sz="1600" dirty="0" smtClean="0"/>
+              <a:t> </a:t>
+            </a:r>
+            <a:r>
+              <a:rPr lang="en-US" sz="1600" dirty="0" err="1" smtClean="0"/>
+              <a:t>dàng</a:t>
+            </a:r>
+            <a:r>
+              <a:rPr lang="en-US" sz="1600" dirty="0" smtClean="0"/>
+              <a:t> </a:t>
+            </a:r>
+            <a:r>
+              <a:rPr lang="en-US" sz="1600" dirty="0" err="1" smtClean="0"/>
+              <a:t>thiết</a:t>
+            </a:r>
+            <a:r>
+              <a:rPr lang="en-US" sz="1600" dirty="0" smtClean="0"/>
+              <a:t> </a:t>
+            </a:r>
+            <a:r>
+              <a:rPr lang="en-US" sz="1600" dirty="0" err="1" smtClean="0"/>
+              <a:t>kế</a:t>
+            </a:r>
+            <a:endParaRPr lang="en-US" sz="1600" dirty="0"/>
+          </a:p>
+          <a:p>
+            <a:pPr marL="0" lvl="0" indent="0">
+              <a:buNone/>
+            </a:pPr>
+            <a:r>
+              <a:rPr lang="en-US" sz="1600" dirty="0" smtClean="0"/>
+              <a:t>	+ </a:t>
+            </a:r>
+            <a:r>
+              <a:rPr lang="en-US" sz="1600" dirty="0" err="1" smtClean="0"/>
+              <a:t>Mở</a:t>
+            </a:r>
+            <a:r>
+              <a:rPr lang="en-US" sz="1600" dirty="0" smtClean="0"/>
+              <a:t> </a:t>
+            </a:r>
+            <a:r>
+              <a:rPr lang="en-US" sz="1600" dirty="0" err="1" smtClean="0"/>
+              <a:t>rộng</a:t>
+            </a:r>
+            <a:r>
+              <a:rPr lang="en-US" sz="1600" dirty="0" smtClean="0"/>
+              <a:t> </a:t>
+            </a:r>
+            <a:r>
+              <a:rPr lang="en-US" sz="1600" dirty="0" err="1" smtClean="0"/>
+              <a:t>theo</a:t>
+            </a:r>
+            <a:r>
+              <a:rPr lang="en-US" sz="1600" dirty="0" smtClean="0"/>
+              <a:t> </a:t>
+            </a:r>
+            <a:r>
+              <a:rPr lang="en-US" sz="1600" dirty="0" err="1" smtClean="0"/>
+              <a:t>chiều</a:t>
+            </a:r>
+            <a:r>
+              <a:rPr lang="en-US" sz="1600" dirty="0" smtClean="0"/>
+              <a:t> </a:t>
+            </a:r>
+            <a:r>
+              <a:rPr lang="en-US" sz="1600" dirty="0" err="1" smtClean="0"/>
+              <a:t>ngang</a:t>
+            </a:r>
+            <a:endParaRPr lang="en-US" sz="1600" dirty="0"/>
+          </a:p>
+          <a:p>
+            <a:pPr marL="0" lvl="0" indent="0">
+              <a:buNone/>
+            </a:pPr>
+            <a:r>
+              <a:rPr lang="en-US" sz="1600" dirty="0" smtClean="0"/>
+              <a:t>	+ </a:t>
+            </a:r>
+            <a:r>
+              <a:rPr lang="en-US" sz="1600" dirty="0" err="1" smtClean="0"/>
+              <a:t>Kiểm</a:t>
+            </a:r>
+            <a:r>
+              <a:rPr lang="en-US" sz="1600" dirty="0" smtClean="0"/>
+              <a:t> </a:t>
+            </a:r>
+            <a:r>
+              <a:rPr lang="en-US" sz="1600" dirty="0" err="1" smtClean="0"/>
+              <a:t>soát</a:t>
+            </a:r>
+            <a:r>
+              <a:rPr lang="en-US" sz="1600" dirty="0" smtClean="0"/>
+              <a:t> </a:t>
+            </a:r>
+            <a:r>
+              <a:rPr lang="en-US" sz="1600" dirty="0" err="1" smtClean="0"/>
+              <a:t>tốt</a:t>
+            </a:r>
+            <a:r>
+              <a:rPr lang="en-US" sz="1600" dirty="0" smtClean="0"/>
+              <a:t> </a:t>
+            </a:r>
+            <a:r>
+              <a:rPr lang="en-US" sz="1600" dirty="0" err="1" smtClean="0"/>
+              <a:t>tính</a:t>
+            </a:r>
+            <a:r>
+              <a:rPr lang="en-US" sz="1600" dirty="0" smtClean="0"/>
+              <a:t> </a:t>
+            </a:r>
+            <a:r>
+              <a:rPr lang="en-US" sz="1600" dirty="0" err="1" smtClean="0"/>
+              <a:t>sẵn</a:t>
+            </a:r>
+            <a:r>
+              <a:rPr lang="en-US" sz="1600" dirty="0" smtClean="0"/>
+              <a:t> </a:t>
+            </a:r>
+            <a:r>
+              <a:rPr lang="en-US" sz="1600" dirty="0" err="1" smtClean="0"/>
+              <a:t>có</a:t>
+            </a:r>
+            <a:r>
+              <a:rPr lang="en-US" sz="1600" dirty="0" smtClean="0"/>
+              <a:t> </a:t>
+            </a:r>
+            <a:r>
+              <a:rPr lang="en-US" sz="1600" dirty="0" err="1" smtClean="0"/>
+              <a:t>của</a:t>
+            </a:r>
+            <a:r>
+              <a:rPr lang="en-US" sz="1600" dirty="0" smtClean="0"/>
+              <a:t> </a:t>
+            </a:r>
+            <a:r>
+              <a:rPr lang="en-US" sz="1600" dirty="0" err="1" smtClean="0"/>
+              <a:t>csdl</a:t>
+            </a:r>
+            <a:r>
+              <a:rPr lang="en-US" sz="1600" dirty="0" smtClean="0"/>
+              <a:t>.</a:t>
+            </a:r>
+            <a:endParaRPr lang="en-US" sz="1600" dirty="0"/>
           </a:p>
           <a:p>
             <a:pPr marL="0" lvl="0" indent="0">
@@ -37811,90 +39396,122 @@
             </a:pPr>
             <a:r>
               <a:rPr lang="en-US" sz="1600" dirty="0" smtClean="0"/>
-              <a:t>- The </a:t>
+              <a:t>- </a:t>
+            </a:r>
+            <a:r>
+              <a:rPr lang="vi-VN" sz="1600" dirty="0"/>
+              <a:t>Cơ sở dữ liệu </a:t>
+            </a:r>
+            <a:r>
+              <a:rPr lang="vi-VN" sz="1600" dirty="0" smtClean="0"/>
+              <a:t>NoS</a:t>
+            </a:r>
+            <a:r>
+              <a:rPr lang="en-US" sz="1600" dirty="0" smtClean="0"/>
+              <a:t>QL</a:t>
+            </a:r>
+            <a:r>
+              <a:rPr lang="vi-VN" sz="1600" dirty="0" smtClean="0"/>
+              <a:t> </a:t>
+            </a:r>
+            <a:r>
+              <a:rPr lang="vi-VN" sz="1600" dirty="0"/>
+              <a:t>sử dụng cấu trúc dữ liệu khác với </a:t>
             </a:r>
             <a:r>
               <a:rPr lang="en-US" sz="1600" dirty="0"/>
-              <a:t>primary objective of a NoSQL database is to </a:t>
-            </a:r>
-            <a:r>
-              <a:rPr lang="en-US" sz="1600" dirty="0" smtClean="0"/>
-              <a:t>have</a:t>
-            </a:r>
-            <a:endParaRPr lang="en-US" sz="1600" dirty="0"/>
-          </a:p>
-          <a:p>
-            <a:pPr marL="0" lvl="0" indent="0">
-              <a:buNone/>
-            </a:pPr>
-            <a:r>
-              <a:rPr lang="en-US" sz="1600" dirty="0" smtClean="0"/>
-              <a:t>	+ Simplicity </a:t>
-            </a:r>
-            <a:r>
-              <a:rPr lang="en-US" sz="1600" dirty="0"/>
-              <a:t>of design,</a:t>
-            </a:r>
-          </a:p>
-          <a:p>
-            <a:pPr marL="0" lvl="0" indent="0">
-              <a:buNone/>
-            </a:pPr>
-            <a:r>
-              <a:rPr lang="en-US" sz="1600" dirty="0" smtClean="0"/>
-              <a:t>	+ Horizontal scaling</a:t>
-            </a:r>
-            <a:endParaRPr lang="en-US" sz="1600" dirty="0"/>
-          </a:p>
-          <a:p>
-            <a:pPr marL="0" lvl="0" indent="0">
-              <a:buNone/>
-            </a:pPr>
-            <a:r>
-              <a:rPr lang="en-US" sz="1600" dirty="0" smtClean="0"/>
-              <a:t>	+ Finer </a:t>
-            </a:r>
-            <a:r>
-              <a:rPr lang="en-US" sz="1600" dirty="0"/>
-              <a:t>control over availability</a:t>
-            </a:r>
-            <a:r>
-              <a:rPr lang="en-US" sz="1600" dirty="0" smtClean="0"/>
-              <a:t>.</a:t>
-            </a:r>
-          </a:p>
-          <a:p>
-            <a:pPr marL="0" lvl="0" indent="0">
-              <a:buNone/>
-            </a:pPr>
-            <a:endParaRPr lang="en-US" sz="1600" dirty="0"/>
-          </a:p>
-          <a:p>
-            <a:pPr marL="0" lvl="0" indent="0">
-              <a:buNone/>
-            </a:pPr>
-            <a:r>
-              <a:rPr lang="en-US" sz="1600" dirty="0" smtClean="0"/>
-              <a:t>- </a:t>
+              <a:t>relational database</a:t>
+            </a:r>
+            <a:r>
+              <a:rPr lang="vi-VN" sz="1600" dirty="0" smtClean="0"/>
+              <a:t>. </a:t>
             </a:r>
             <a:r>
               <a:rPr lang="en-US" sz="1600" dirty="0" err="1" smtClean="0"/>
-              <a:t>NoSql</a:t>
+              <a:t>Điều</a:t>
             </a:r>
             <a:r>
               <a:rPr lang="en-US" sz="1600" dirty="0" smtClean="0"/>
               <a:t> </a:t>
             </a:r>
             <a:r>
-              <a:rPr lang="en-US" sz="1600" dirty="0"/>
-              <a:t>databases use different data structures compared to relational databases. It makes some operations faster in NoSQL. The suitability of a given NoSQL database depends on the </a:t>
-            </a:r>
-            <a:r>
-              <a:rPr lang="en-US" sz="2000" b="1" dirty="0"/>
-              <a:t>problem it must solve</a:t>
-            </a:r>
-            <a:r>
-              <a:rPr lang="en-US" sz="2000" dirty="0"/>
+              <a:rPr lang="en-US" sz="1600" dirty="0" err="1" smtClean="0"/>
+              <a:t>này</a:t>
+            </a:r>
+            <a:r>
+              <a:rPr lang="en-US" sz="1600" dirty="0" smtClean="0"/>
+              <a:t> </a:t>
+            </a:r>
+            <a:r>
+              <a:rPr lang="en-US" sz="1600" dirty="0" err="1" smtClean="0"/>
+              <a:t>làm</a:t>
+            </a:r>
+            <a:r>
+              <a:rPr lang="en-US" sz="1600" dirty="0" smtClean="0"/>
+              <a:t> </a:t>
+            </a:r>
+            <a:r>
+              <a:rPr lang="en-US" sz="1600" dirty="0" err="1" smtClean="0"/>
+              <a:t>cho</a:t>
+            </a:r>
+            <a:r>
+              <a:rPr lang="en-US" sz="1600" dirty="0" smtClean="0"/>
+              <a:t> </a:t>
+            </a:r>
+            <a:r>
+              <a:rPr lang="en-US" sz="1600" dirty="0" err="1" smtClean="0"/>
+              <a:t>trong</a:t>
+            </a:r>
+            <a:r>
+              <a:rPr lang="en-US" sz="1600" dirty="0" smtClean="0"/>
+              <a:t> </a:t>
+            </a:r>
+            <a:r>
+              <a:rPr lang="en-US" sz="1600" dirty="0" err="1" smtClean="0"/>
+              <a:t>một</a:t>
+            </a:r>
+            <a:r>
+              <a:rPr lang="en-US" sz="1600" dirty="0" smtClean="0"/>
+              <a:t> </a:t>
+            </a:r>
+            <a:r>
+              <a:rPr lang="en-US" sz="1600" dirty="0" err="1" smtClean="0"/>
+              <a:t>vài</a:t>
+            </a:r>
+            <a:r>
+              <a:rPr lang="en-US" sz="1600" dirty="0" smtClean="0"/>
+              <a:t> </a:t>
+            </a:r>
+            <a:r>
+              <a:rPr lang="en-US" sz="1600" dirty="0" err="1" smtClean="0"/>
+              <a:t>tình</a:t>
+            </a:r>
+            <a:r>
+              <a:rPr lang="en-US" sz="1600" dirty="0" smtClean="0"/>
+              <a:t> </a:t>
+            </a:r>
+            <a:r>
+              <a:rPr lang="en-US" sz="1600" dirty="0" err="1" smtClean="0"/>
+              <a:t>huống</a:t>
+            </a:r>
+            <a:r>
+              <a:rPr lang="en-US" sz="1600" dirty="0" smtClean="0"/>
+              <a:t> NoSQL </a:t>
+            </a:r>
+            <a:r>
+              <a:rPr lang="vi-VN" sz="1600" dirty="0" smtClean="0"/>
+              <a:t>hoạt </a:t>
+            </a:r>
+            <a:r>
+              <a:rPr lang="vi-VN" sz="1600" dirty="0"/>
+              <a:t>động nhanh hơn trong NoSQL. Tính phù hợp của một cơ sở dữ liệu NoSQL nhất định phụ thuộc vào vấn đề mà nó </a:t>
+            </a:r>
+            <a:r>
+              <a:rPr lang="vi-VN" sz="1600" b="1" dirty="0"/>
+              <a:t>phải giải quyết</a:t>
+            </a:r>
+            <a:r>
+              <a:rPr lang="vi-VN" sz="1600" dirty="0"/>
               <a:t>.</a:t>
             </a:r>
             <a:endParaRPr sz="2000" dirty="0"/>
@@ -38091,7 +39708,7 @@
           <p:nvPr>
             <p:extLst>
               <p:ext uri="{D42A27DB-BD31-4B8C-83A1-F6EECF244321}">
-                <p14:modId xmlns:p14="http://schemas.microsoft.com/office/powerpoint/2010/main" val="265544891"/>
+                <p14:modId xmlns:p14="http://schemas.microsoft.com/office/powerpoint/2010/main" val="4204290994"/>
               </p:ext>
             </p:extLst>
           </p:nvPr>
@@ -38268,7 +39885,7 @@
                     <a:p>
                       <a:pPr fontAlgn="t"/>
                       <a:r>
-                        <a:rPr lang="en-US" dirty="0">
+                        <a:rPr lang="en-US" dirty="0" err="1" smtClean="0">
                           <a:solidFill>
                             <a:schemeClr val="accent2">
                               <a:lumMod val="50000"/>
@@ -38276,8 +39893,170 @@
                           </a:solidFill>
                           <a:effectLst/>
                         </a:rPr>
-                        <a:t>Supports powerful query language.</a:t>
+                        <a:t>Hỗ</a:t>
                       </a:r>
+                      <a:r>
+                        <a:rPr lang="en-US" baseline="0" dirty="0" smtClean="0">
+                          <a:solidFill>
+                            <a:schemeClr val="accent2">
+                              <a:lumMod val="50000"/>
+                            </a:schemeClr>
+                          </a:solidFill>
+                          <a:effectLst/>
+                        </a:rPr>
+                        <a:t> </a:t>
+                      </a:r>
+                      <a:r>
+                        <a:rPr lang="en-US" baseline="0" dirty="0" err="1" smtClean="0">
+                          <a:solidFill>
+                            <a:schemeClr val="accent2">
+                              <a:lumMod val="50000"/>
+                            </a:schemeClr>
+                          </a:solidFill>
+                          <a:effectLst/>
+                        </a:rPr>
+                        <a:t>trợ</a:t>
+                      </a:r>
+                      <a:r>
+                        <a:rPr lang="en-US" baseline="0" dirty="0" smtClean="0">
+                          <a:solidFill>
+                            <a:schemeClr val="accent2">
+                              <a:lumMod val="50000"/>
+                            </a:schemeClr>
+                          </a:solidFill>
+                          <a:effectLst/>
+                        </a:rPr>
+                        <a:t> </a:t>
+                      </a:r>
+                      <a:r>
+                        <a:rPr lang="en-US" baseline="0" dirty="0" err="1" smtClean="0">
+                          <a:solidFill>
+                            <a:schemeClr val="accent2">
+                              <a:lumMod val="50000"/>
+                            </a:schemeClr>
+                          </a:solidFill>
+                          <a:effectLst/>
+                        </a:rPr>
+                        <a:t>các</a:t>
+                      </a:r>
+                      <a:r>
+                        <a:rPr lang="en-US" baseline="0" dirty="0" smtClean="0">
+                          <a:solidFill>
+                            <a:schemeClr val="accent2">
+                              <a:lumMod val="50000"/>
+                            </a:schemeClr>
+                          </a:solidFill>
+                          <a:effectLst/>
+                        </a:rPr>
+                        <a:t> </a:t>
+                      </a:r>
+                      <a:r>
+                        <a:rPr lang="en-US" baseline="0" dirty="0" err="1" smtClean="0">
+                          <a:solidFill>
+                            <a:schemeClr val="accent2">
+                              <a:lumMod val="50000"/>
+                            </a:schemeClr>
+                          </a:solidFill>
+                          <a:effectLst/>
+                        </a:rPr>
+                        <a:t>câu</a:t>
+                      </a:r>
+                      <a:r>
+                        <a:rPr lang="en-US" baseline="0" dirty="0" smtClean="0">
+                          <a:solidFill>
+                            <a:schemeClr val="accent2">
+                              <a:lumMod val="50000"/>
+                            </a:schemeClr>
+                          </a:solidFill>
+                          <a:effectLst/>
+                        </a:rPr>
+                        <a:t> </a:t>
+                      </a:r>
+                      <a:r>
+                        <a:rPr lang="en-US" baseline="0" dirty="0" err="1" smtClean="0">
+                          <a:solidFill>
+                            <a:schemeClr val="accent2">
+                              <a:lumMod val="50000"/>
+                            </a:schemeClr>
+                          </a:solidFill>
+                          <a:effectLst/>
+                        </a:rPr>
+                        <a:t>truy</a:t>
+                      </a:r>
+                      <a:r>
+                        <a:rPr lang="en-US" baseline="0" dirty="0" smtClean="0">
+                          <a:solidFill>
+                            <a:schemeClr val="accent2">
+                              <a:lumMod val="50000"/>
+                            </a:schemeClr>
+                          </a:solidFill>
+                          <a:effectLst/>
+                        </a:rPr>
+                        <a:t> </a:t>
+                      </a:r>
+                      <a:r>
+                        <a:rPr lang="en-US" baseline="0" dirty="0" err="1" smtClean="0">
+                          <a:solidFill>
+                            <a:schemeClr val="accent2">
+                              <a:lumMod val="50000"/>
+                            </a:schemeClr>
+                          </a:solidFill>
+                          <a:effectLst/>
+                        </a:rPr>
+                        <a:t>vấn</a:t>
+                      </a:r>
+                      <a:r>
+                        <a:rPr lang="en-US" baseline="0" dirty="0" smtClean="0">
+                          <a:solidFill>
+                            <a:schemeClr val="accent2">
+                              <a:lumMod val="50000"/>
+                            </a:schemeClr>
+                          </a:solidFill>
+                          <a:effectLst/>
+                        </a:rPr>
+                        <a:t> </a:t>
+                      </a:r>
+                      <a:r>
+                        <a:rPr lang="en-US" baseline="0" dirty="0" err="1" smtClean="0">
+                          <a:solidFill>
+                            <a:schemeClr val="accent2">
+                              <a:lumMod val="50000"/>
+                            </a:schemeClr>
+                          </a:solidFill>
+                          <a:effectLst/>
+                        </a:rPr>
+                        <a:t>phức</a:t>
+                      </a:r>
+                      <a:r>
+                        <a:rPr lang="en-US" baseline="0" dirty="0" smtClean="0">
+                          <a:solidFill>
+                            <a:schemeClr val="accent2">
+                              <a:lumMod val="50000"/>
+                            </a:schemeClr>
+                          </a:solidFill>
+                          <a:effectLst/>
+                        </a:rPr>
+                        <a:t> </a:t>
+                      </a:r>
+                      <a:r>
+                        <a:rPr lang="en-US" baseline="0" dirty="0" err="1" smtClean="0">
+                          <a:solidFill>
+                            <a:schemeClr val="accent2">
+                              <a:lumMod val="50000"/>
+                            </a:schemeClr>
+                          </a:solidFill>
+                          <a:effectLst/>
+                        </a:rPr>
+                        <a:t>tạp</a:t>
+                      </a:r>
+                      <a:endParaRPr lang="en-US" dirty="0">
+                        <a:solidFill>
+                          <a:schemeClr val="accent2">
+                            <a:lumMod val="50000"/>
+                          </a:schemeClr>
+                        </a:solidFill>
+                        <a:effectLst/>
+                      </a:endParaRPr>
                     </a:p>
                   </a:txBody>
                   <a:tcPr marL="76200" marR="76200" marT="76200" marB="76200">
@@ -38326,7 +40105,7 @@
                     <a:p>
                       <a:pPr fontAlgn="t"/>
                       <a:r>
-                        <a:rPr lang="en-US" dirty="0">
+                        <a:rPr lang="en-US" dirty="0" err="1" smtClean="0">
                           <a:solidFill>
                             <a:schemeClr val="accent2">
                               <a:lumMod val="50000"/>
@@ -38334,8 +40113,192 @@
                           </a:solidFill>
                           <a:effectLst/>
                         </a:rPr>
-                        <a:t>Supports very simple query language.</a:t>
+                        <a:t>Chỉ</a:t>
                       </a:r>
+                      <a:r>
+                        <a:rPr lang="en-US" baseline="0" dirty="0" smtClean="0">
+                          <a:solidFill>
+                            <a:schemeClr val="accent2">
+                              <a:lumMod val="50000"/>
+                            </a:schemeClr>
+                          </a:solidFill>
+                          <a:effectLst/>
+                        </a:rPr>
+                        <a:t> </a:t>
+                      </a:r>
+                      <a:r>
+                        <a:rPr lang="en-US" baseline="0" dirty="0" err="1" smtClean="0">
+                          <a:solidFill>
+                            <a:schemeClr val="accent2">
+                              <a:lumMod val="50000"/>
+                            </a:schemeClr>
+                          </a:solidFill>
+                          <a:effectLst/>
+                        </a:rPr>
+                        <a:t>hỗ</a:t>
+                      </a:r>
+                      <a:r>
+                        <a:rPr lang="en-US" baseline="0" dirty="0" smtClean="0">
+                          <a:solidFill>
+                            <a:schemeClr val="accent2">
+                              <a:lumMod val="50000"/>
+                            </a:schemeClr>
+                          </a:solidFill>
+                          <a:effectLst/>
+                        </a:rPr>
+                        <a:t> </a:t>
+                      </a:r>
+                      <a:r>
+                        <a:rPr lang="en-US" baseline="0" dirty="0" err="1" smtClean="0">
+                          <a:solidFill>
+                            <a:schemeClr val="accent2">
+                              <a:lumMod val="50000"/>
+                            </a:schemeClr>
+                          </a:solidFill>
+                          <a:effectLst/>
+                        </a:rPr>
+                        <a:t>trợ</a:t>
+                      </a:r>
+                      <a:r>
+                        <a:rPr lang="en-US" baseline="0" dirty="0" smtClean="0">
+                          <a:solidFill>
+                            <a:schemeClr val="accent2">
+                              <a:lumMod val="50000"/>
+                            </a:schemeClr>
+                          </a:solidFill>
+                          <a:effectLst/>
+                        </a:rPr>
+                        <a:t> </a:t>
+                      </a:r>
+                      <a:r>
+                        <a:rPr lang="en-US" baseline="0" dirty="0" err="1" smtClean="0">
+                          <a:solidFill>
+                            <a:schemeClr val="accent2">
+                              <a:lumMod val="50000"/>
+                            </a:schemeClr>
+                          </a:solidFill>
+                          <a:effectLst/>
+                        </a:rPr>
+                        <a:t>các</a:t>
+                      </a:r>
+                      <a:r>
+                        <a:rPr lang="en-US" baseline="0" dirty="0" smtClean="0">
+                          <a:solidFill>
+                            <a:schemeClr val="accent2">
+                              <a:lumMod val="50000"/>
+                            </a:schemeClr>
+                          </a:solidFill>
+                          <a:effectLst/>
+                        </a:rPr>
+                        <a:t> </a:t>
+                      </a:r>
+                      <a:r>
+                        <a:rPr lang="en-US" baseline="0" dirty="0" err="1" smtClean="0">
+                          <a:solidFill>
+                            <a:schemeClr val="accent2">
+                              <a:lumMod val="50000"/>
+                            </a:schemeClr>
+                          </a:solidFill>
+                          <a:effectLst/>
+                        </a:rPr>
+                        <a:t>câu</a:t>
+                      </a:r>
+                      <a:r>
+                        <a:rPr lang="en-US" baseline="0" dirty="0" smtClean="0">
+                          <a:solidFill>
+                            <a:schemeClr val="accent2">
+                              <a:lumMod val="50000"/>
+                            </a:schemeClr>
+                          </a:solidFill>
+                          <a:effectLst/>
+                        </a:rPr>
+                        <a:t> </a:t>
+                      </a:r>
+                      <a:r>
+                        <a:rPr lang="en-US" baseline="0" dirty="0" err="1" smtClean="0">
+                          <a:solidFill>
+                            <a:schemeClr val="accent2">
+                              <a:lumMod val="50000"/>
+                            </a:schemeClr>
+                          </a:solidFill>
+                          <a:effectLst/>
+                        </a:rPr>
+                        <a:t>truy</a:t>
+                      </a:r>
+                      <a:r>
+                        <a:rPr lang="en-US" baseline="0" dirty="0" smtClean="0">
+                          <a:solidFill>
+                            <a:schemeClr val="accent2">
+                              <a:lumMod val="50000"/>
+                            </a:schemeClr>
+                          </a:solidFill>
+                          <a:effectLst/>
+                        </a:rPr>
+                        <a:t> </a:t>
+                      </a:r>
+                      <a:r>
+                        <a:rPr lang="en-US" baseline="0" dirty="0" err="1" smtClean="0">
+                          <a:solidFill>
+                            <a:schemeClr val="accent2">
+                              <a:lumMod val="50000"/>
+                            </a:schemeClr>
+                          </a:solidFill>
+                          <a:effectLst/>
+                        </a:rPr>
+                        <a:t>vấn</a:t>
+                      </a:r>
+                      <a:r>
+                        <a:rPr lang="en-US" baseline="0" dirty="0" smtClean="0">
+                          <a:solidFill>
+                            <a:schemeClr val="accent2">
+                              <a:lumMod val="50000"/>
+                            </a:schemeClr>
+                          </a:solidFill>
+                          <a:effectLst/>
+                        </a:rPr>
+                        <a:t> </a:t>
+                      </a:r>
+                      <a:r>
+                        <a:rPr lang="en-US" baseline="0" dirty="0" err="1" smtClean="0">
+                          <a:solidFill>
+                            <a:schemeClr val="accent2">
+                              <a:lumMod val="50000"/>
+                            </a:schemeClr>
+                          </a:solidFill>
+                          <a:effectLst/>
+                        </a:rPr>
+                        <a:t>đơn</a:t>
+                      </a:r>
+                      <a:r>
+                        <a:rPr lang="en-US" baseline="0" dirty="0" smtClean="0">
+                          <a:solidFill>
+                            <a:schemeClr val="accent2">
+                              <a:lumMod val="50000"/>
+                            </a:schemeClr>
+                          </a:solidFill>
+                          <a:effectLst/>
+                        </a:rPr>
+                        <a:t> </a:t>
+                      </a:r>
+                      <a:r>
+                        <a:rPr lang="en-US" baseline="0" dirty="0" err="1" smtClean="0">
+                          <a:solidFill>
+                            <a:schemeClr val="accent2">
+                              <a:lumMod val="50000"/>
+                            </a:schemeClr>
+                          </a:solidFill>
+                          <a:effectLst/>
+                        </a:rPr>
+                        <a:t>giản</a:t>
+                      </a:r>
+                      <a:endParaRPr lang="en-US" dirty="0">
+                        <a:solidFill>
+                          <a:schemeClr val="accent2">
+                            <a:lumMod val="50000"/>
+                          </a:schemeClr>
+                        </a:solidFill>
+                        <a:effectLst/>
+                      </a:endParaRPr>
                     </a:p>
                   </a:txBody>
                   <a:tcPr marL="76200" marR="76200" marT="76200" marB="76200">
@@ -38391,7 +40354,7 @@
                     <a:p>
                       <a:pPr fontAlgn="t"/>
                       <a:r>
-                        <a:rPr lang="en-US">
+                        <a:rPr lang="en-US" dirty="0" err="1" smtClean="0">
                           <a:solidFill>
                             <a:schemeClr val="accent2">
                               <a:lumMod val="50000"/>
@@ -38399,8 +40362,148 @@
                           </a:solidFill>
                           <a:effectLst/>
                         </a:rPr>
-                        <a:t>It has a fixed schema.</a:t>
+                        <a:t>Có</a:t>
                       </a:r>
+                      <a:r>
+                        <a:rPr lang="en-US" baseline="0" dirty="0" smtClean="0">
+                          <a:solidFill>
+                            <a:schemeClr val="accent2">
+                              <a:lumMod val="50000"/>
+                            </a:schemeClr>
+                          </a:solidFill>
+                          <a:effectLst/>
+                        </a:rPr>
+                        <a:t> </a:t>
+                      </a:r>
+                      <a:r>
+                        <a:rPr lang="en-US" baseline="0" dirty="0" err="1" smtClean="0">
+                          <a:solidFill>
+                            <a:schemeClr val="accent2">
+                              <a:lumMod val="50000"/>
+                            </a:schemeClr>
+                          </a:solidFill>
+                          <a:effectLst/>
+                        </a:rPr>
+                        <a:t>lược</a:t>
+                      </a:r>
+                      <a:r>
+                        <a:rPr lang="en-US" baseline="0" dirty="0" smtClean="0">
+                          <a:solidFill>
+                            <a:schemeClr val="accent2">
+                              <a:lumMod val="50000"/>
+                            </a:schemeClr>
+                          </a:solidFill>
+                          <a:effectLst/>
+                        </a:rPr>
+                        <a:t> </a:t>
+                      </a:r>
+                      <a:r>
+                        <a:rPr lang="en-US" baseline="0" dirty="0" err="1" smtClean="0">
+                          <a:solidFill>
+                            <a:schemeClr val="accent2">
+                              <a:lumMod val="50000"/>
+                            </a:schemeClr>
+                          </a:solidFill>
+                          <a:effectLst/>
+                        </a:rPr>
+                        <a:t>đồ</a:t>
+                      </a:r>
+                      <a:r>
+                        <a:rPr lang="en-US" baseline="0" dirty="0" smtClean="0">
+                          <a:solidFill>
+                            <a:schemeClr val="accent2">
+                              <a:lumMod val="50000"/>
+                            </a:schemeClr>
+                          </a:solidFill>
+                          <a:effectLst/>
+                        </a:rPr>
+                        <a:t> </a:t>
+                      </a:r>
+                      <a:r>
+                        <a:rPr lang="en-US" baseline="0" dirty="0" err="1" smtClean="0">
+                          <a:solidFill>
+                            <a:schemeClr val="accent2">
+                              <a:lumMod val="50000"/>
+                            </a:schemeClr>
+                          </a:solidFill>
+                          <a:effectLst/>
+                        </a:rPr>
+                        <a:t>quan</a:t>
+                      </a:r>
+                      <a:r>
+                        <a:rPr lang="en-US" baseline="0" dirty="0" smtClean="0">
+                          <a:solidFill>
+                            <a:schemeClr val="accent2">
+                              <a:lumMod val="50000"/>
+                            </a:schemeClr>
+                          </a:solidFill>
+                          <a:effectLst/>
+                        </a:rPr>
+                        <a:t> </a:t>
+                      </a:r>
+                      <a:r>
+                        <a:rPr lang="en-US" baseline="0" dirty="0" err="1" smtClean="0">
+                          <a:solidFill>
+                            <a:schemeClr val="accent2">
+                              <a:lumMod val="50000"/>
+                            </a:schemeClr>
+                          </a:solidFill>
+                          <a:effectLst/>
+                        </a:rPr>
+                        <a:t>hệ</a:t>
+                      </a:r>
+                      <a:r>
+                        <a:rPr lang="en-US" baseline="0" dirty="0" smtClean="0">
+                          <a:solidFill>
+                            <a:schemeClr val="accent2">
+                              <a:lumMod val="50000"/>
+                            </a:schemeClr>
+                          </a:solidFill>
+                          <a:effectLst/>
+                        </a:rPr>
+                        <a:t> </a:t>
+                      </a:r>
+                      <a:r>
+                        <a:rPr lang="en-US" baseline="0" dirty="0" err="1" smtClean="0">
+                          <a:solidFill>
+                            <a:schemeClr val="accent2">
+                              <a:lumMod val="50000"/>
+                            </a:schemeClr>
+                          </a:solidFill>
+                          <a:effectLst/>
+                        </a:rPr>
+                        <a:t>cố</a:t>
+                      </a:r>
+                      <a:r>
+                        <a:rPr lang="en-US" baseline="0" dirty="0" smtClean="0">
+                          <a:solidFill>
+                            <a:schemeClr val="accent2">
+                              <a:lumMod val="50000"/>
+                            </a:schemeClr>
+                          </a:solidFill>
+                          <a:effectLst/>
+                        </a:rPr>
+                        <a:t> </a:t>
+                      </a:r>
+                      <a:r>
+                        <a:rPr lang="en-US" baseline="0" dirty="0" err="1" smtClean="0">
+                          <a:solidFill>
+                            <a:schemeClr val="accent2">
+                              <a:lumMod val="50000"/>
+                            </a:schemeClr>
+                          </a:solidFill>
+                          <a:effectLst/>
+                        </a:rPr>
+                        <a:t>định</a:t>
+                      </a:r>
+                      <a:endParaRPr lang="en-US" dirty="0">
+                        <a:solidFill>
+                          <a:schemeClr val="accent2">
+                            <a:lumMod val="50000"/>
+                          </a:schemeClr>
+                        </a:solidFill>
+                        <a:effectLst/>
+                      </a:endParaRPr>
                     </a:p>
                   </a:txBody>
                   <a:tcPr marL="76200" marR="76200" marT="76200" marB="76200">
@@ -38449,7 +40552,7 @@
                     <a:p>
                       <a:pPr fontAlgn="t"/>
                       <a:r>
-                        <a:rPr lang="en-US" dirty="0">
+                        <a:rPr lang="en-US" dirty="0" err="1" smtClean="0">
                           <a:solidFill>
                             <a:schemeClr val="accent2">
                               <a:lumMod val="50000"/>
@@ -38457,8 +40560,126 @@
                           </a:solidFill>
                           <a:effectLst/>
                         </a:rPr>
-                        <a:t>No fixed schema.</a:t>
+                        <a:t>Không</a:t>
                       </a:r>
+                      <a:r>
+                        <a:rPr lang="en-US" baseline="0" dirty="0" smtClean="0">
+                          <a:solidFill>
+                            <a:schemeClr val="accent2">
+                              <a:lumMod val="50000"/>
+                            </a:schemeClr>
+                          </a:solidFill>
+                          <a:effectLst/>
+                        </a:rPr>
+                        <a:t> </a:t>
+                      </a:r>
+                      <a:r>
+                        <a:rPr lang="en-US" baseline="0" dirty="0" err="1" smtClean="0">
+                          <a:solidFill>
+                            <a:schemeClr val="accent2">
+                              <a:lumMod val="50000"/>
+                            </a:schemeClr>
+                          </a:solidFill>
+                          <a:effectLst/>
+                        </a:rPr>
+                        <a:t>có</a:t>
+                      </a:r>
+                      <a:r>
+                        <a:rPr lang="en-US" baseline="0" dirty="0" smtClean="0">
+                          <a:solidFill>
+                            <a:schemeClr val="accent2">
+                              <a:lumMod val="50000"/>
+                            </a:schemeClr>
+                          </a:solidFill>
+                          <a:effectLst/>
+                        </a:rPr>
+                        <a:t> </a:t>
+                      </a:r>
+                      <a:r>
+                        <a:rPr lang="en-US" baseline="0" dirty="0" err="1" smtClean="0">
+                          <a:solidFill>
+                            <a:schemeClr val="accent2">
+                              <a:lumMod val="50000"/>
+                            </a:schemeClr>
+                          </a:solidFill>
+                          <a:effectLst/>
+                        </a:rPr>
+                        <a:t>lược</a:t>
+                      </a:r>
+                      <a:r>
+                        <a:rPr lang="en-US" baseline="0" dirty="0" smtClean="0">
+                          <a:solidFill>
+                            <a:schemeClr val="accent2">
+                              <a:lumMod val="50000"/>
+                            </a:schemeClr>
+                          </a:solidFill>
+                          <a:effectLst/>
+                        </a:rPr>
+                        <a:t> </a:t>
+                      </a:r>
+                      <a:r>
+                        <a:rPr lang="en-US" baseline="0" dirty="0" err="1" smtClean="0">
+                          <a:solidFill>
+                            <a:schemeClr val="accent2">
+                              <a:lumMod val="50000"/>
+                            </a:schemeClr>
+                          </a:solidFill>
+                          <a:effectLst/>
+                        </a:rPr>
+                        <a:t>đồ</a:t>
+                      </a:r>
+                      <a:r>
+                        <a:rPr lang="en-US" baseline="0" dirty="0" smtClean="0">
+                          <a:solidFill>
+                            <a:schemeClr val="accent2">
+                              <a:lumMod val="50000"/>
+                            </a:schemeClr>
+                          </a:solidFill>
+                          <a:effectLst/>
+                        </a:rPr>
+                        <a:t> </a:t>
+                      </a:r>
+                      <a:r>
+                        <a:rPr lang="en-US" baseline="0" dirty="0" err="1" smtClean="0">
+                          <a:solidFill>
+                            <a:schemeClr val="accent2">
+                              <a:lumMod val="50000"/>
+                            </a:schemeClr>
+                          </a:solidFill>
+                          <a:effectLst/>
+                        </a:rPr>
+                        <a:t>quan</a:t>
+                      </a:r>
+                      <a:r>
+                        <a:rPr lang="en-US" baseline="0" dirty="0" smtClean="0">
+                          <a:solidFill>
+                            <a:schemeClr val="accent2">
+                              <a:lumMod val="50000"/>
+                            </a:schemeClr>
+                          </a:solidFill>
+                          <a:effectLst/>
+                        </a:rPr>
+                        <a:t> </a:t>
+                      </a:r>
+                      <a:r>
+                        <a:rPr lang="en-US" baseline="0" dirty="0" err="1" smtClean="0">
+                          <a:solidFill>
+                            <a:schemeClr val="accent2">
+                              <a:lumMod val="50000"/>
+                            </a:schemeClr>
+                          </a:solidFill>
+                          <a:effectLst/>
+                        </a:rPr>
+                        <a:t>hệ</a:t>
+                      </a:r>
+                      <a:endParaRPr lang="en-US" dirty="0">
+                        <a:solidFill>
+                          <a:schemeClr val="accent2">
+                            <a:lumMod val="50000"/>
+                          </a:schemeClr>
+                        </a:solidFill>
+                        <a:effectLst/>
+                      </a:endParaRPr>
                     </a:p>
                   </a:txBody>
                   <a:tcPr marL="76200" marR="76200" marT="76200" marB="76200">
@@ -38514,7 +40735,7 @@
                     <a:p>
                       <a:pPr fontAlgn="t"/>
                       <a:r>
-                        <a:rPr lang="en-US">
+                        <a:rPr lang="en-US" dirty="0" err="1" smtClean="0">
                           <a:solidFill>
                             <a:schemeClr val="accent2">
                               <a:lumMod val="50000"/>
@@ -38522,7 +40743,51 @@
                           </a:solidFill>
                           <a:effectLst/>
                         </a:rPr>
-                        <a:t>Follows ACID (Atomicity, Consistency, Isolation, and Durability).</a:t>
+                        <a:t>Hỗ</a:t>
+                      </a:r>
+                      <a:r>
+                        <a:rPr lang="en-US" baseline="0" dirty="0" smtClean="0">
+                          <a:solidFill>
+                            <a:schemeClr val="accent2">
+                              <a:lumMod val="50000"/>
+                            </a:schemeClr>
+                          </a:solidFill>
+                          <a:effectLst/>
+                        </a:rPr>
+                        <a:t> </a:t>
+                      </a:r>
+                      <a:r>
+                        <a:rPr lang="en-US" baseline="0" dirty="0" err="1" smtClean="0">
+                          <a:solidFill>
+                            <a:schemeClr val="accent2">
+                              <a:lumMod val="50000"/>
+                            </a:schemeClr>
+                          </a:solidFill>
+                          <a:effectLst/>
+                        </a:rPr>
+                        <a:t>trợ</a:t>
+                      </a:r>
+                      <a:r>
+                        <a:rPr lang="en-US" dirty="0" smtClean="0">
+                          <a:solidFill>
+                            <a:schemeClr val="accent2">
+                              <a:lumMod val="50000"/>
+                            </a:schemeClr>
+                          </a:solidFill>
+                          <a:effectLst/>
+                        </a:rPr>
+                        <a:t> </a:t>
+                      </a:r>
+                      <a:r>
+                        <a:rPr lang="en-US" dirty="0">
+                          <a:solidFill>
+                            <a:schemeClr val="accent2">
+                              <a:lumMod val="50000"/>
+                            </a:schemeClr>
+                          </a:solidFill>
+                          <a:effectLst/>
+                        </a:rPr>
+                        <a:t>ACID (Atomicity, Consistency, Isolation, and Durability).</a:t>
                       </a:r>
                     </a:p>
                   </a:txBody>
@@ -38572,6 +40837,61 @@
                     <a:p>
                       <a:pPr fontAlgn="t"/>
                       <a:r>
+                        <a:rPr lang="en-US" dirty="0" err="1" smtClean="0">
+                          <a:solidFill>
+                            <a:schemeClr val="accent2">
+                              <a:lumMod val="50000"/>
+                            </a:schemeClr>
+                          </a:solidFill>
+                          <a:effectLst/>
+                        </a:rPr>
+                        <a:t>Chỉ</a:t>
+                      </a:r>
+                      <a:r>
+                        <a:rPr lang="en-US" baseline="0" dirty="0" smtClean="0">
+                          <a:solidFill>
+                            <a:schemeClr val="accent2">
+                              <a:lumMod val="50000"/>
+                            </a:schemeClr>
+                          </a:solidFill>
+                          <a:effectLst/>
+                        </a:rPr>
+                        <a:t> </a:t>
+                      </a:r>
+                      <a:r>
+                        <a:rPr lang="en-US" baseline="0" dirty="0" err="1" smtClean="0">
+                          <a:solidFill>
+                            <a:schemeClr val="accent2">
+                              <a:lumMod val="50000"/>
+                            </a:schemeClr>
+                          </a:solidFill>
+                          <a:effectLst/>
+                        </a:rPr>
+                        <a:t>có</a:t>
+                      </a:r>
+                      <a:r>
+                        <a:rPr lang="en-US" baseline="0" dirty="0" smtClean="0">
+                          <a:solidFill>
+                            <a:schemeClr val="accent2">
+                              <a:lumMod val="50000"/>
+                            </a:schemeClr>
+                          </a:solidFill>
+                          <a:effectLst/>
+                        </a:rPr>
+                        <a:t> </a:t>
+                      </a:r>
+                      <a:r>
+                        <a:rPr lang="en-US" dirty="0" smtClean="0">
+                          <a:solidFill>
+                            <a:schemeClr val="accent2">
+                              <a:lumMod val="50000"/>
+                            </a:schemeClr>
+                          </a:solidFill>
+                          <a:effectLst/>
+                        </a:rPr>
+                        <a:t>“eventually </a:t>
+                      </a:r>
+                      <a:r>
                         <a:rPr lang="en-US" dirty="0">
                           <a:solidFill>
                             <a:schemeClr val="accent2">
@@ -38580,7 +40900,7 @@
                           </a:solidFill>
                           <a:effectLst/>
                         </a:rPr>
-                        <a:t>It is only “eventually consistent”.</a:t>
+                        <a:t>consistent”.</a:t>
                       </a:r>
                     </a:p>
                   </a:txBody>
@@ -38637,6 +40957,50 @@
                     <a:p>
                       <a:pPr fontAlgn="t"/>
                       <a:r>
+                        <a:rPr lang="en-US" dirty="0" err="1" smtClean="0">
+                          <a:solidFill>
+                            <a:schemeClr val="accent2">
+                              <a:lumMod val="50000"/>
+                            </a:schemeClr>
+                          </a:solidFill>
+                          <a:effectLst/>
+                        </a:rPr>
+                        <a:t>Hỗ</a:t>
+                      </a:r>
+                      <a:r>
+                        <a:rPr lang="en-US" baseline="0" dirty="0" smtClean="0">
+                          <a:solidFill>
+                            <a:schemeClr val="accent2">
+                              <a:lumMod val="50000"/>
+                            </a:schemeClr>
+                          </a:solidFill>
+                          <a:effectLst/>
+                        </a:rPr>
+                        <a:t> </a:t>
+                      </a:r>
+                      <a:r>
+                        <a:rPr lang="en-US" baseline="0" dirty="0" err="1" smtClean="0">
+                          <a:solidFill>
+                            <a:schemeClr val="accent2">
+                              <a:lumMod val="50000"/>
+                            </a:schemeClr>
+                          </a:solidFill>
+                          <a:effectLst/>
+                        </a:rPr>
+                        <a:t>trợ</a:t>
+                      </a:r>
+                      <a:r>
+                        <a:rPr lang="en-US" dirty="0" smtClean="0">
+                          <a:solidFill>
+                            <a:schemeClr val="accent2">
+                              <a:lumMod val="50000"/>
+                            </a:schemeClr>
+                          </a:solidFill>
+                          <a:effectLst/>
+                        </a:rPr>
+                        <a:t> </a:t>
+                      </a:r>
+                      <a:r>
                         <a:rPr lang="en-US" dirty="0">
                           <a:solidFill>
                             <a:schemeClr val="accent2">
@@ -38645,7 +41009,7 @@
                           </a:solidFill>
                           <a:effectLst/>
                         </a:rPr>
-                        <a:t>Supports transactions.</a:t>
+                        <a:t>transactions.</a:t>
                       </a:r>
                     </a:p>
                   </a:txBody>
@@ -38695,6 +41059,83 @@
                     <a:p>
                       <a:pPr fontAlgn="t"/>
                       <a:r>
+                        <a:rPr lang="en-US" dirty="0" err="1" smtClean="0">
+                          <a:solidFill>
+                            <a:schemeClr val="accent2">
+                              <a:lumMod val="50000"/>
+                            </a:schemeClr>
+                          </a:solidFill>
+                          <a:effectLst/>
+                        </a:rPr>
+                        <a:t>Không</a:t>
+                      </a:r>
+                      <a:r>
+                        <a:rPr lang="en-US" baseline="0" dirty="0" smtClean="0">
+                          <a:solidFill>
+                            <a:schemeClr val="accent2">
+                              <a:lumMod val="50000"/>
+                            </a:schemeClr>
+                          </a:solidFill>
+                          <a:effectLst/>
+                        </a:rPr>
+                        <a:t> </a:t>
+                      </a:r>
+                      <a:r>
+                        <a:rPr lang="en-US" baseline="0" dirty="0" err="1" smtClean="0">
+                          <a:solidFill>
+                            <a:schemeClr val="accent2">
+                              <a:lumMod val="50000"/>
+                            </a:schemeClr>
+                          </a:solidFill>
+                          <a:effectLst/>
+                        </a:rPr>
+                        <a:t>hỗ</a:t>
+                      </a:r>
+                      <a:r>
+                        <a:rPr lang="en-US" baseline="0" dirty="0" smtClean="0">
+                          <a:solidFill>
+                            <a:schemeClr val="accent2">
+                              <a:lumMod val="50000"/>
+                            </a:schemeClr>
+                          </a:solidFill>
+                          <a:effectLst/>
+                        </a:rPr>
+                        <a:t> </a:t>
+                      </a:r>
+                      <a:r>
+                        <a:rPr lang="en-US" baseline="0" dirty="0" err="1" smtClean="0">
+                          <a:solidFill>
+                            <a:schemeClr val="accent2">
+                              <a:lumMod val="50000"/>
+                            </a:schemeClr>
+                          </a:solidFill>
+                          <a:effectLst/>
+                        </a:rPr>
+                        <a:t>trợ</a:t>
+                      </a:r>
+                      <a:r>
+                        <a:rPr lang="en-US" baseline="0" dirty="0" smtClean="0">
+                          <a:solidFill>
+                            <a:schemeClr val="accent2">
+                              <a:lumMod val="50000"/>
+                            </a:schemeClr>
+                          </a:solidFill>
+                          <a:effectLst/>
+                        </a:rPr>
+                        <a:t> </a:t>
+                      </a:r>
+                      <a:r>
+                        <a:rPr lang="en-US" dirty="0" smtClean="0">
+                          <a:solidFill>
+                            <a:schemeClr val="accent2">
+                              <a:lumMod val="50000"/>
+                            </a:schemeClr>
+                          </a:solidFill>
+                          <a:effectLst/>
+                        </a:rPr>
+                        <a:t>transactions</a:t>
+                      </a:r>
+                      <a:r>
                         <a:rPr lang="en-US" dirty="0">
                           <a:solidFill>
                             <a:schemeClr val="accent2">
@@ -38703,7 +41144,7 @@
                           </a:solidFill>
                           <a:effectLst/>
                         </a:rPr>
-                        <a:t>Does not support transactions.</a:t>
+                        <a:t>.</a:t>
                       </a:r>
                     </a:p>
                   </a:txBody>
@@ -39217,12 +41658,8 @@
               <a:buNone/>
             </a:pPr>
             <a:r>
-              <a:rPr lang="en-US" sz="1600" dirty="0"/>
-              <a:t>	</a:t>
-            </a:r>
-            <a:r>
               <a:rPr lang="en-US" sz="1600" dirty="0" smtClean="0"/>
-              <a:t>+ </a:t>
+              <a:t>	+ </a:t>
             </a:r>
             <a:r>
               <a:rPr lang="en-US" sz="1600" b="1" dirty="0" smtClean="0"/>
@@ -39233,10 +41670,17 @@
               <a:t>: </a:t>
             </a:r>
             <a:r>
-              <a:rPr lang="vi-VN" sz="1600" dirty="0"/>
-              <a:t>Dữ liệu được lưu trữ trong các cột thay vì các hàng như trong một hệ thống SQL thông thường</a:t>
-            </a:r>
-            <a:endParaRPr lang="en-US" sz="1600" dirty="0" smtClean="0"/>
+              <a:rPr lang="vi-VN" sz="1600" dirty="0" smtClean="0"/>
+              <a:t>Dữ liệu được lưu trữ </a:t>
+            </a:r>
+            <a:r>
+              <a:rPr lang="en-US" sz="1600" dirty="0" err="1"/>
+              <a:t>bằng</a:t>
+            </a:r>
+            <a:r>
+              <a:rPr lang="en-US" sz="1600" dirty="0"/>
+              <a:t> Wide-column store</a:t>
+            </a:r>
           </a:p>
           <a:p>
             <a:pPr marL="0" indent="0">
@@ -39318,7 +41762,7 @@
         <p:spPr>
           <a:xfrm>
             <a:off x="114160" y="346841"/>
-            <a:ext cx="9029839" cy="703483"/>
+            <a:ext cx="9029839" cy="1517128"/>
           </a:xfrm>
           <a:prstGeom prst="rect">
             <a:avLst/>
@@ -39335,8 +41779,210 @@
             </a:pPr>
             <a:r>
               <a:rPr lang="en-US" sz="3000" b="1" dirty="0"/>
-              <a:t>Wide-column store</a:t>
-            </a:r>
+              <a:t>Wide-column </a:t>
+            </a:r>
+            <a:r>
+              <a:rPr lang="en-US" sz="3000" b="1" dirty="0" smtClean="0"/>
+              <a:t>store</a:t>
+            </a:r>
+          </a:p>
+          <a:p>
+            <a:pPr marL="0" lvl="0" indent="0">
+              <a:buNone/>
+            </a:pPr>
+            <a:r>
+              <a:rPr lang="vi-VN" sz="1600" dirty="0">
+                <a:solidFill>
+                  <a:srgbClr val="000000"/>
+                </a:solidFill>
+                <a:latin typeface="Arial"/>
+                <a:ea typeface="Arial"/>
+                <a:cs typeface="Arial"/>
+                <a:sym typeface="Arial"/>
+              </a:rPr>
+              <a:t>Nó sử dụng bảng, hàng và cột, nhưng không giống như </a:t>
+            </a:r>
+            <a:r>
+              <a:rPr lang="en-US" sz="1600" dirty="0" smtClean="0">
+                <a:solidFill>
+                  <a:srgbClr val="000000"/>
+                </a:solidFill>
+                <a:latin typeface="Arial"/>
+                <a:ea typeface="Arial"/>
+                <a:cs typeface="Arial"/>
+                <a:sym typeface="Arial"/>
+              </a:rPr>
+              <a:t>relational database</a:t>
+            </a:r>
+            <a:r>
+              <a:rPr lang="vi-VN" sz="1600" dirty="0" smtClean="0">
+                <a:solidFill>
+                  <a:srgbClr val="000000"/>
+                </a:solidFill>
+                <a:latin typeface="Arial"/>
+                <a:ea typeface="Arial"/>
+                <a:cs typeface="Arial"/>
+                <a:sym typeface="Arial"/>
+              </a:rPr>
+              <a:t>, </a:t>
+            </a:r>
+            <a:r>
+              <a:rPr lang="vi-VN" sz="1600" dirty="0">
+                <a:solidFill>
+                  <a:srgbClr val="000000"/>
+                </a:solidFill>
+                <a:latin typeface="Arial"/>
+                <a:ea typeface="Arial"/>
+                <a:cs typeface="Arial"/>
+                <a:sym typeface="Arial"/>
+              </a:rPr>
+              <a:t>tên và định dạng của các cột có thể khác nhau giữa các hàng trong cùng một bảng. Cửa hàng cột rộng có thể </a:t>
+            </a:r>
+            <a:r>
+              <a:rPr lang="vi-VN" sz="1600" dirty="0" smtClean="0">
+                <a:solidFill>
+                  <a:srgbClr val="000000"/>
+                </a:solidFill>
+                <a:latin typeface="Arial"/>
+                <a:ea typeface="Arial"/>
+                <a:cs typeface="Arial"/>
+                <a:sym typeface="Arial"/>
+              </a:rPr>
+              <a:t>được</a:t>
+            </a:r>
+            <a:r>
+              <a:rPr lang="en-US" sz="1600" dirty="0" smtClean="0">
+                <a:solidFill>
+                  <a:srgbClr val="000000"/>
+                </a:solidFill>
+                <a:latin typeface="Arial"/>
+                <a:ea typeface="Arial"/>
+                <a:cs typeface="Arial"/>
+                <a:sym typeface="Arial"/>
+              </a:rPr>
+              <a:t> </a:t>
+            </a:r>
+            <a:r>
+              <a:rPr lang="en-US" sz="1600" dirty="0" err="1" smtClean="0">
+                <a:solidFill>
+                  <a:srgbClr val="000000"/>
+                </a:solidFill>
+                <a:latin typeface="Arial"/>
+                <a:ea typeface="Arial"/>
+                <a:cs typeface="Arial"/>
+                <a:sym typeface="Arial"/>
+              </a:rPr>
+              <a:t>hiểu</a:t>
+            </a:r>
+            <a:r>
+              <a:rPr lang="en-US" sz="1600" dirty="0" smtClean="0">
+                <a:solidFill>
+                  <a:srgbClr val="000000"/>
+                </a:solidFill>
+                <a:latin typeface="Arial"/>
+                <a:ea typeface="Arial"/>
+                <a:cs typeface="Arial"/>
+                <a:sym typeface="Arial"/>
+              </a:rPr>
+              <a:t> </a:t>
+            </a:r>
+            <a:r>
+              <a:rPr lang="en-US" sz="1600" dirty="0" err="1" smtClean="0">
+                <a:solidFill>
+                  <a:srgbClr val="000000"/>
+                </a:solidFill>
+                <a:latin typeface="Arial"/>
+                <a:ea typeface="Arial"/>
+                <a:cs typeface="Arial"/>
+                <a:sym typeface="Arial"/>
+              </a:rPr>
+              <a:t>là</a:t>
+            </a:r>
+            <a:r>
+              <a:rPr lang="en-US" sz="1600" dirty="0" smtClean="0">
+                <a:solidFill>
+                  <a:srgbClr val="000000"/>
+                </a:solidFill>
+                <a:latin typeface="Arial"/>
+                <a:ea typeface="Arial"/>
+                <a:cs typeface="Arial"/>
+                <a:sym typeface="Arial"/>
+              </a:rPr>
+              <a:t> </a:t>
+            </a:r>
+            <a:r>
+              <a:rPr lang="en-US" sz="1600" dirty="0" err="1" smtClean="0">
+                <a:solidFill>
+                  <a:srgbClr val="000000"/>
+                </a:solidFill>
+                <a:latin typeface="Arial"/>
+                <a:ea typeface="Arial"/>
+                <a:cs typeface="Arial"/>
+                <a:sym typeface="Arial"/>
+              </a:rPr>
+              <a:t>kho</a:t>
+            </a:r>
+            <a:r>
+              <a:rPr lang="en-US" sz="1600" dirty="0" smtClean="0">
+                <a:solidFill>
+                  <a:srgbClr val="000000"/>
+                </a:solidFill>
+                <a:latin typeface="Arial"/>
+                <a:ea typeface="Arial"/>
+                <a:cs typeface="Arial"/>
+                <a:sym typeface="Arial"/>
+              </a:rPr>
+              <a:t> key-value </a:t>
+            </a:r>
+            <a:r>
+              <a:rPr lang="en-US" sz="1600" dirty="0" err="1" smtClean="0">
+                <a:solidFill>
+                  <a:srgbClr val="000000"/>
+                </a:solidFill>
+                <a:latin typeface="Arial"/>
+                <a:ea typeface="Arial"/>
+                <a:cs typeface="Arial"/>
+                <a:sym typeface="Arial"/>
+              </a:rPr>
+              <a:t>hai</a:t>
+            </a:r>
+            <a:r>
+              <a:rPr lang="en-US" sz="1600" dirty="0" smtClean="0">
+                <a:solidFill>
+                  <a:srgbClr val="000000"/>
+                </a:solidFill>
+                <a:latin typeface="Arial"/>
+                <a:ea typeface="Arial"/>
+                <a:cs typeface="Arial"/>
+                <a:sym typeface="Arial"/>
+              </a:rPr>
+              <a:t> </a:t>
+            </a:r>
+            <a:r>
+              <a:rPr lang="en-US" sz="1600" dirty="0" err="1" smtClean="0">
+                <a:solidFill>
+                  <a:srgbClr val="000000"/>
+                </a:solidFill>
+                <a:latin typeface="Arial"/>
+                <a:ea typeface="Arial"/>
+                <a:cs typeface="Arial"/>
+                <a:sym typeface="Arial"/>
+              </a:rPr>
+              <a:t>chiều</a:t>
+            </a:r>
+            <a:endParaRPr lang="en-US" sz="3000" b="1" dirty="0" smtClean="0"/>
+          </a:p>
+          <a:p>
+            <a:pPr marL="0" lvl="0" indent="0">
+              <a:buNone/>
+            </a:pPr>
+            <a:endParaRPr lang="en-US" sz="3000" b="1" dirty="0"/>
+          </a:p>
+          <a:p>
+            <a:pPr marL="0" lvl="0" indent="0">
+              <a:buNone/>
+            </a:pPr>
+            <a:endParaRPr lang="en-US" sz="3000" b="1" dirty="0"/>
           </a:p>
         </p:txBody>
       </p:sp>
@@ -39399,13 +42045,13 @@
           <p:nvPr>
             <p:extLst>
               <p:ext uri="{D42A27DB-BD31-4B8C-83A1-F6EECF244321}">
-                <p14:modId xmlns:p14="http://schemas.microsoft.com/office/powerpoint/2010/main" val="1139718507"/>
+                <p14:modId xmlns:p14="http://schemas.microsoft.com/office/powerpoint/2010/main" val="2824869529"/>
               </p:ext>
             </p:extLst>
           </p:nvPr>
         </p:nvGraphicFramePr>
         <p:xfrm>
-          <a:off x="307202" y="1050323"/>
+          <a:off x="293077" y="1863969"/>
           <a:ext cx="6760864" cy="1952370"/>
         </p:xfrm>
         <a:graphic>
@@ -39521,12 +42167,12 @@
                     <a:p>
                       <a:pPr algn="l" fontAlgn="b"/>
                       <a:r>
-                        <a:rPr lang="en-US" sz="1400" u="none" strike="noStrike">
+                        <a:rPr lang="en-US" sz="1400" u="none" strike="noStrike" dirty="0">
                           <a:effectLst/>
                         </a:rPr>
                         <a:t>phone: 12345679</a:t>
                       </a:r>
-                      <a:endParaRPr lang="en-US" sz="1400" b="0" i="0" u="none" strike="noStrike">
+                      <a:endParaRPr lang="en-US" sz="1400" b="0" i="0" u="none" strike="noStrike" dirty="0">
                         <a:solidFill>
                           <a:srgbClr val="000000"/>
                         </a:solidFill>
@@ -40035,12 +42681,12 @@
                     <a:p>
                       <a:pPr algn="ctr" fontAlgn="b"/>
                       <a:r>
-                        <a:rPr lang="en-US" sz="1400" b="1" u="none" strike="noStrike">
+                        <a:rPr lang="en-US" sz="1400" b="1" u="none" strike="noStrike" dirty="0">
                           <a:effectLst/>
                         </a:rPr>
                         <a:t>Surname</a:t>
                       </a:r>
-                      <a:endParaRPr lang="en-US" sz="1400" b="1" i="0" u="none" strike="noStrike">
+                      <a:endParaRPr lang="en-US" sz="1400" b="1" i="0" u="none" strike="noStrike" dirty="0">
                         <a:solidFill>
                           <a:srgbClr val="000000"/>
                         </a:solidFill>
@@ -40058,12 +42704,12 @@
                     <a:p>
                       <a:pPr algn="ctr" fontAlgn="b"/>
                       <a:r>
-                        <a:rPr lang="en-US" sz="1400" b="1" u="none" strike="noStrike">
+                        <a:rPr lang="en-US" sz="1400" b="1" u="none" strike="noStrike" dirty="0" err="1">
                           <a:effectLst/>
                         </a:rPr>
                         <a:t>CompanyCarId</a:t>
                       </a:r>
-                      <a:endParaRPr lang="en-US" sz="1400" b="1" i="0" u="none" strike="noStrike">
+                      <a:endParaRPr lang="en-US" sz="1400" b="1" i="0" u="none" strike="noStrike" dirty="0">
                         <a:solidFill>
                           <a:srgbClr val="000000"/>
                         </a:solidFill>
@@ -40180,12 +42826,12 @@
                     <a:p>
                       <a:pPr algn="r" fontAlgn="b"/>
                       <a:r>
-                        <a:rPr lang="en-US" sz="1400" u="none" strike="noStrike">
+                        <a:rPr lang="en-US" sz="1400" u="none" strike="noStrike" dirty="0">
                           <a:effectLst/>
                         </a:rPr>
                         <a:t>1</a:t>
                       </a:r>
-                      <a:endParaRPr lang="en-US" sz="1400" b="0" i="0" u="none" strike="noStrike">
+                      <a:endParaRPr lang="en-US" sz="1400" b="0" i="0" u="none" strike="noStrike" dirty="0">
                         <a:solidFill>
                           <a:srgbClr val="000000"/>
                         </a:solidFill>
@@ -40982,7 +43628,7 @@
           <p:nvPr>
             <p:extLst>
               <p:ext uri="{D42A27DB-BD31-4B8C-83A1-F6EECF244321}">
-                <p14:modId xmlns:p14="http://schemas.microsoft.com/office/powerpoint/2010/main" val="1994068763"/>
+                <p14:modId xmlns:p14="http://schemas.microsoft.com/office/powerpoint/2010/main" val="1429810315"/>
               </p:ext>
             </p:extLst>
           </p:nvPr>
@@ -41118,10 +43764,10 @@
                     <a:p>
                       <a:pPr algn="ctr" fontAlgn="b"/>
                       <a:r>
-                        <a:rPr lang="en-US" sz="1400" b="1" u="none" strike="noStrike" dirty="0">
+                        <a:rPr lang="en-US" sz="1400" b="1" u="none" strike="noStrike" dirty="0" smtClean="0">
                           <a:effectLst/>
                         </a:rPr>
-                        <a:t>Make</a:t>
+                        <a:t>Manufacturer</a:t>
                       </a:r>
                       <a:endParaRPr lang="en-US" sz="1400" b="1" i="0" u="none" strike="noStrike" dirty="0">
                         <a:solidFill>
@@ -41990,12 +44636,8 @@
               <a:t>, </a:t>
             </a:r>
             <a:r>
-              <a:rPr lang="en-US" sz="1600" dirty="0" err="1" smtClean="0"/>
-              <a:t>b.Make</a:t>
-            </a:r>
-            <a:r>
-              <a:rPr lang="en-US" sz="1600" dirty="0" smtClean="0"/>
-              <a:t> </a:t>
+              <a:rPr lang="en-US" sz="1600" dirty="0"/>
+              <a:t>b. Manufacturer </a:t>
             </a:r>
             <a:r>
               <a:rPr lang="en-US" sz="1600" dirty="0" smtClean="0">
@@ -42145,7 +44787,7 @@
           <p:nvPr>
             <p:extLst>
               <p:ext uri="{D42A27DB-BD31-4B8C-83A1-F6EECF244321}">
-                <p14:modId xmlns:p14="http://schemas.microsoft.com/office/powerpoint/2010/main" val="1564998299"/>
+                <p14:modId xmlns:p14="http://schemas.microsoft.com/office/powerpoint/2010/main" val="3140932282"/>
               </p:ext>
             </p:extLst>
           </p:nvPr>
@@ -42161,14 +44803,14 @@
                 <a:tableStyleId>{069993A8-07D0-4223-9949-B73208B636BB}</a:tableStyleId>
               </a:tblPr>
               <a:tblGrid>
-                <a:gridCol w="821163">
+                <a:gridCol w="1121613">
                   <a:extLst>
                     <a:ext uri="{9D8B030D-6E8A-4147-A177-3AD203B41FA5}">
                       <a16:colId xmlns:a16="http://schemas.microsoft.com/office/drawing/2014/main" val="1736308807"/>
                     </a:ext>
                   </a:extLst>
                 </a:gridCol>
-                <a:gridCol w="1063949">
+                <a:gridCol w="763499">
                   <a:extLst>
                     <a:ext uri="{9D8B030D-6E8A-4147-A177-3AD203B41FA5}">
                       <a16:colId xmlns:a16="http://schemas.microsoft.com/office/drawing/2014/main" val="1497129410"/>
@@ -42208,7 +44850,19 @@
                         <a:rPr lang="en-US" sz="1400" u="none" strike="noStrike" dirty="0">
                           <a:effectLst/>
                         </a:rPr>
-                        <a:t>Employee By Car</a:t>
+                        <a:t>Employee </a:t>
+                      </a:r>
+                      <a:r>
+                        <a:rPr lang="en-US" sz="1400" u="none" strike="noStrike" dirty="0" smtClean="0">
+                          <a:effectLst/>
+                        </a:rPr>
+                        <a:t>And </a:t>
+                      </a:r>
+                      <a:r>
+                        <a:rPr lang="en-US" sz="1400" u="none" strike="noStrike" dirty="0">
+                          <a:effectLst/>
+                        </a:rPr>
+                        <a:t>Car</a:t>
                       </a:r>
                       <a:endParaRPr lang="en-US" sz="1400" b="1" i="0" u="none" strike="noStrike" dirty="0">
                         <a:solidFill>
@@ -42275,10 +44929,10 @@
                     <a:p>
                       <a:pPr algn="ctr" fontAlgn="b"/>
                       <a:r>
-                        <a:rPr lang="en-US" sz="1400" u="none" strike="noStrike" dirty="0">
+                        <a:rPr lang="en-US" sz="1400" u="none" strike="noStrike" dirty="0" smtClean="0">
                           <a:effectLst/>
                         </a:rPr>
-                        <a:t>Make</a:t>
+                        <a:t>Manufacturer</a:t>
                       </a:r>
                       <a:endParaRPr lang="en-US" sz="1400" b="1" i="0" u="none" strike="noStrike" dirty="0">
                         <a:solidFill>
@@ -42298,12 +44952,12 @@
                     <a:p>
                       <a:pPr algn="ctr" fontAlgn="b"/>
                       <a:r>
-                        <a:rPr lang="en-US" sz="1400" u="none" strike="noStrike">
+                        <a:rPr lang="en-US" sz="1400" u="none" strike="noStrike" dirty="0">
                           <a:effectLst/>
                         </a:rPr>
                         <a:t>ID</a:t>
                       </a:r>
-                      <a:endParaRPr lang="en-US" sz="1400" b="1" i="0" u="none" strike="noStrike">
+                      <a:endParaRPr lang="en-US" sz="1400" b="1" i="0" u="none" strike="noStrike" dirty="0">
                         <a:solidFill>
                           <a:srgbClr val="000000"/>
                         </a:solidFill>
